--- a/cmsc125/ostep/slides/01.Virtualization/04.The_abstraction_the_process.pptx
+++ b/cmsc125/ostep/slides/01.Virtualization/04.The_abstraction_the_process.pptx
@@ -5,7 +5,7 @@
     <p:sldMasterId id="2147483670" r:id="rId1"/>
   </p:sldMasterIdLst>
   <p:notesMasterIdLst>
-    <p:notesMasterId r:id="rId17"/>
+    <p:notesMasterId r:id="rId20"/>
   </p:notesMasterIdLst>
   <p:sldIdLst>
     <p:sldId id="298" r:id="rId2"/>
@@ -13,16 +13,19 @@
     <p:sldId id="269" r:id="rId4"/>
     <p:sldId id="257" r:id="rId5"/>
     <p:sldId id="258" r:id="rId6"/>
-    <p:sldId id="259" r:id="rId7"/>
-    <p:sldId id="260" r:id="rId8"/>
-    <p:sldId id="261" r:id="rId9"/>
-    <p:sldId id="262" r:id="rId10"/>
-    <p:sldId id="263" r:id="rId11"/>
-    <p:sldId id="264" r:id="rId12"/>
-    <p:sldId id="265" r:id="rId13"/>
-    <p:sldId id="266" r:id="rId14"/>
-    <p:sldId id="267" r:id="rId15"/>
-    <p:sldId id="268" r:id="rId16"/>
+    <p:sldId id="299" r:id="rId7"/>
+    <p:sldId id="259" r:id="rId8"/>
+    <p:sldId id="260" r:id="rId9"/>
+    <p:sldId id="261" r:id="rId10"/>
+    <p:sldId id="262" r:id="rId11"/>
+    <p:sldId id="263" r:id="rId12"/>
+    <p:sldId id="264" r:id="rId13"/>
+    <p:sldId id="265" r:id="rId14"/>
+    <p:sldId id="300" r:id="rId15"/>
+    <p:sldId id="301" r:id="rId16"/>
+    <p:sldId id="266" r:id="rId17"/>
+    <p:sldId id="267" r:id="rId18"/>
+    <p:sldId id="268" r:id="rId19"/>
   </p:sldIdLst>
   <p:sldSz cx="12192000" cy="6858000"/>
   <p:notesSz cx="6797675" cy="9928225"/>
@@ -252,7 +255,7 @@
           <a:p>
             <a:fld id="{050F0499-AE52-4672-879B-3107B2FC2A9F}" type="datetimeFigureOut">
               <a:rPr lang="ko-KR" altLang="en-US" smtClean="0"/>
-              <a:t>2021-07-20</a:t>
+              <a:t>2021-08-11</a:t>
             </a:fld>
             <a:endParaRPr lang="ko-KR" altLang="en-US"/>
           </a:p>
@@ -479,6 +482,208 @@
       </p:grpSpPr>
       <p:sp>
         <p:nvSpPr>
+          <p:cNvPr id="2" name="Slide Image Placeholder 1"/>
+          <p:cNvSpPr>
+            <a:spLocks noGrp="1" noRot="1" noChangeAspect="1"/>
+          </p:cNvSpPr>
+          <p:nvPr>
+            <p:ph type="sldImg"/>
+          </p:nvPr>
+        </p:nvSpPr>
+        <p:spPr/>
+      </p:sp>
+      <p:sp>
+        <p:nvSpPr>
+          <p:cNvPr id="3" name="Notes Placeholder 2"/>
+          <p:cNvSpPr>
+            <a:spLocks noGrp="1"/>
+          </p:cNvSpPr>
+          <p:nvPr>
+            <p:ph type="body" idx="1"/>
+          </p:nvPr>
+        </p:nvSpPr>
+        <p:spPr>
+          <a:xfrm>
+            <a:off x="679450" y="4778375"/>
+            <a:ext cx="5438775" cy="3908425"/>
+          </a:xfrm>
+          <a:prstGeom prst="rect">
+            <a:avLst/>
+          </a:prstGeom>
+        </p:spPr>
+        <p:txBody>
+          <a:bodyPr/>
+          <a:lstStyle/>
+          <a:p>
+            <a:endParaRPr lang="en-PH" dirty="0"/>
+          </a:p>
+        </p:txBody>
+      </p:sp>
+      <p:sp>
+        <p:nvSpPr>
+          <p:cNvPr id="4" name="Slide Number Placeholder 3"/>
+          <p:cNvSpPr>
+            <a:spLocks noGrp="1"/>
+          </p:cNvSpPr>
+          <p:nvPr>
+            <p:ph type="sldNum" sz="quarter" idx="5"/>
+          </p:nvPr>
+        </p:nvSpPr>
+        <p:spPr/>
+        <p:txBody>
+          <a:bodyPr/>
+          <a:lstStyle/>
+          <a:p>
+            <a:fld id="{E9CED1A8-8C93-4BD0-9402-1D92621696DA}" type="slidenum">
+              <a:rPr lang="ko-KR" altLang="en-US" smtClean="0"/>
+              <a:t>1</a:t>
+            </a:fld>
+            <a:endParaRPr lang="ko-KR" altLang="en-US"/>
+          </a:p>
+        </p:txBody>
+      </p:sp>
+    </p:spTree>
+    <p:extLst>
+      <p:ext uri="{BB962C8B-B14F-4D97-AF65-F5344CB8AC3E}">
+        <p14:creationId xmlns:p14="http://schemas.microsoft.com/office/powerpoint/2010/main" val="2674937985"/>
+      </p:ext>
+    </p:extLst>
+  </p:cSld>
+  <p:clrMapOvr>
+    <a:masterClrMapping/>
+  </p:clrMapOvr>
+</p:notes>
+</file>
+
+<file path=ppt/notesSlides/notesSlide2.xml><?xml version="1.0" encoding="utf-8"?>
+<p:notes xmlns:a="http://schemas.openxmlformats.org/drawingml/2006/main" xmlns:r="http://schemas.openxmlformats.org/officeDocument/2006/relationships" xmlns:p="http://schemas.openxmlformats.org/presentationml/2006/main">
+  <p:cSld>
+    <p:spTree>
+      <p:nvGrpSpPr>
+        <p:cNvPr id="1" name=""/>
+        <p:cNvGrpSpPr/>
+        <p:nvPr/>
+      </p:nvGrpSpPr>
+      <p:grpSpPr>
+        <a:xfrm>
+          <a:off x="0" y="0"/>
+          <a:ext cx="0" cy="0"/>
+          <a:chOff x="0" y="0"/>
+          <a:chExt cx="0" cy="0"/>
+        </a:xfrm>
+      </p:grpSpPr>
+      <p:sp>
+        <p:nvSpPr>
+          <p:cNvPr id="2" name="Slide Image Placeholder 1"/>
+          <p:cNvSpPr>
+            <a:spLocks noGrp="1" noRot="1" noChangeAspect="1"/>
+          </p:cNvSpPr>
+          <p:nvPr>
+            <p:ph type="sldImg"/>
+          </p:nvPr>
+        </p:nvSpPr>
+        <p:spPr/>
+      </p:sp>
+      <p:sp>
+        <p:nvSpPr>
+          <p:cNvPr id="3" name="Notes Placeholder 2"/>
+          <p:cNvSpPr>
+            <a:spLocks noGrp="1"/>
+          </p:cNvSpPr>
+          <p:nvPr>
+            <p:ph type="body" idx="1"/>
+          </p:nvPr>
+        </p:nvSpPr>
+        <p:spPr>
+          <a:xfrm>
+            <a:off x="679450" y="4778375"/>
+            <a:ext cx="5438775" cy="3908425"/>
+          </a:xfrm>
+          <a:prstGeom prst="rect">
+            <a:avLst/>
+          </a:prstGeom>
+        </p:spPr>
+        <p:txBody>
+          <a:bodyPr/>
+          <a:lstStyle/>
+          <a:p>
+            <a:pPr marL="171450" indent="-171450">
+              <a:buFont typeface="Arial" panose="020B0604020202020204" pitchFamily="34" charset="0"/>
+              <a:buChar char="•"/>
+            </a:pPr>
+            <a:r>
+              <a:rPr lang="en-US" dirty="0"/>
+              <a:t>Show that .elf is a program</a:t>
+            </a:r>
+          </a:p>
+          <a:p>
+            <a:pPr marL="171450" indent="-171450">
+              <a:buFont typeface="Arial" panose="020B0604020202020204" pitchFamily="34" charset="0"/>
+              <a:buChar char="•"/>
+            </a:pPr>
+            <a:r>
+              <a:rPr lang="en-US" dirty="0"/>
+              <a:t>Example of this is debug</a:t>
+            </a:r>
+            <a:endParaRPr lang="en-PH" dirty="0"/>
+          </a:p>
+        </p:txBody>
+      </p:sp>
+      <p:sp>
+        <p:nvSpPr>
+          <p:cNvPr id="4" name="Slide Number Placeholder 3"/>
+          <p:cNvSpPr>
+            <a:spLocks noGrp="1"/>
+          </p:cNvSpPr>
+          <p:nvPr>
+            <p:ph type="sldNum" sz="quarter" idx="5"/>
+          </p:nvPr>
+        </p:nvSpPr>
+        <p:spPr/>
+        <p:txBody>
+          <a:bodyPr/>
+          <a:lstStyle/>
+          <a:p>
+            <a:fld id="{E9CED1A8-8C93-4BD0-9402-1D92621696DA}" type="slidenum">
+              <a:rPr lang="ko-KR" altLang="en-US" smtClean="0"/>
+              <a:t>7</a:t>
+            </a:fld>
+            <a:endParaRPr lang="ko-KR" altLang="en-US"/>
+          </a:p>
+        </p:txBody>
+      </p:sp>
+    </p:spTree>
+    <p:extLst>
+      <p:ext uri="{BB962C8B-B14F-4D97-AF65-F5344CB8AC3E}">
+        <p14:creationId xmlns:p14="http://schemas.microsoft.com/office/powerpoint/2010/main" val="255564566"/>
+      </p:ext>
+    </p:extLst>
+  </p:cSld>
+  <p:clrMapOvr>
+    <a:masterClrMapping/>
+  </p:clrMapOvr>
+</p:notes>
+</file>
+
+<file path=ppt/notesSlides/notesSlide3.xml><?xml version="1.0" encoding="utf-8"?>
+<p:notes xmlns:a="http://schemas.openxmlformats.org/drawingml/2006/main" xmlns:r="http://schemas.openxmlformats.org/officeDocument/2006/relationships" xmlns:p="http://schemas.openxmlformats.org/presentationml/2006/main">
+  <p:cSld>
+    <p:spTree>
+      <p:nvGrpSpPr>
+        <p:cNvPr id="1" name=""/>
+        <p:cNvGrpSpPr/>
+        <p:nvPr/>
+      </p:nvGrpSpPr>
+      <p:grpSpPr>
+        <a:xfrm>
+          <a:off x="0" y="0"/>
+          <a:ext cx="0" cy="0"/>
+          <a:chOff x="0" y="0"/>
+          <a:chExt cx="0" cy="0"/>
+        </a:xfrm>
+      </p:grpSpPr>
+      <p:sp>
+        <p:nvSpPr>
           <p:cNvPr id="2" name="슬라이드 이미지 개체 틀 1"/>
           <p:cNvSpPr>
             <a:spLocks noGrp="1" noRot="1" noChangeAspect="1"/>
@@ -538,7 +743,7 @@
           <a:p>
             <a:fld id="{E9CED1A8-8C93-4BD0-9402-1D92621696DA}" type="slidenum">
               <a:rPr lang="ko-KR" altLang="en-US" smtClean="0"/>
-              <a:t>12</a:t>
+              <a:t>13</a:t>
             </a:fld>
             <a:endParaRPr lang="ko-KR" altLang="en-US"/>
           </a:p>
@@ -548,6 +753,190 @@
     <p:extLst>
       <p:ext uri="{BB962C8B-B14F-4D97-AF65-F5344CB8AC3E}">
         <p14:creationId xmlns:p14="http://schemas.microsoft.com/office/powerpoint/2010/main" val="3575710373"/>
+      </p:ext>
+    </p:extLst>
+  </p:cSld>
+  <p:clrMapOvr>
+    <a:masterClrMapping/>
+  </p:clrMapOvr>
+</p:notes>
+</file>
+
+<file path=ppt/notesSlides/notesSlide4.xml><?xml version="1.0" encoding="utf-8"?>
+<p:notes xmlns:a="http://schemas.openxmlformats.org/drawingml/2006/main" xmlns:r="http://schemas.openxmlformats.org/officeDocument/2006/relationships" xmlns:p="http://schemas.openxmlformats.org/presentationml/2006/main">
+  <p:cSld>
+    <p:spTree>
+      <p:nvGrpSpPr>
+        <p:cNvPr id="1" name=""/>
+        <p:cNvGrpSpPr/>
+        <p:nvPr/>
+      </p:nvGrpSpPr>
+      <p:grpSpPr>
+        <a:xfrm>
+          <a:off x="0" y="0"/>
+          <a:ext cx="0" cy="0"/>
+          <a:chOff x="0" y="0"/>
+          <a:chExt cx="0" cy="0"/>
+        </a:xfrm>
+      </p:grpSpPr>
+      <p:sp>
+        <p:nvSpPr>
+          <p:cNvPr id="2" name="Slide Image Placeholder 1"/>
+          <p:cNvSpPr>
+            <a:spLocks noGrp="1" noRot="1" noChangeAspect="1"/>
+          </p:cNvSpPr>
+          <p:nvPr>
+            <p:ph type="sldImg"/>
+          </p:nvPr>
+        </p:nvSpPr>
+        <p:spPr/>
+      </p:sp>
+      <p:sp>
+        <p:nvSpPr>
+          <p:cNvPr id="3" name="Notes Placeholder 2"/>
+          <p:cNvSpPr>
+            <a:spLocks noGrp="1"/>
+          </p:cNvSpPr>
+          <p:nvPr>
+            <p:ph type="body" idx="1"/>
+          </p:nvPr>
+        </p:nvSpPr>
+        <p:spPr>
+          <a:xfrm>
+            <a:off x="679450" y="4778375"/>
+            <a:ext cx="5438775" cy="3908425"/>
+          </a:xfrm>
+          <a:prstGeom prst="rect">
+            <a:avLst/>
+          </a:prstGeom>
+        </p:spPr>
+        <p:txBody>
+          <a:bodyPr/>
+          <a:lstStyle/>
+          <a:p>
+            <a:endParaRPr lang="en-PH" dirty="0"/>
+          </a:p>
+        </p:txBody>
+      </p:sp>
+      <p:sp>
+        <p:nvSpPr>
+          <p:cNvPr id="4" name="Slide Number Placeholder 3"/>
+          <p:cNvSpPr>
+            <a:spLocks noGrp="1"/>
+          </p:cNvSpPr>
+          <p:nvPr>
+            <p:ph type="sldNum" sz="quarter" idx="5"/>
+          </p:nvPr>
+        </p:nvSpPr>
+        <p:spPr/>
+        <p:txBody>
+          <a:bodyPr/>
+          <a:lstStyle/>
+          <a:p>
+            <a:fld id="{E9CED1A8-8C93-4BD0-9402-1D92621696DA}" type="slidenum">
+              <a:rPr lang="ko-KR" altLang="en-US" smtClean="0"/>
+              <a:t>14</a:t>
+            </a:fld>
+            <a:endParaRPr lang="ko-KR" altLang="en-US"/>
+          </a:p>
+        </p:txBody>
+      </p:sp>
+    </p:spTree>
+    <p:extLst>
+      <p:ext uri="{BB962C8B-B14F-4D97-AF65-F5344CB8AC3E}">
+        <p14:creationId xmlns:p14="http://schemas.microsoft.com/office/powerpoint/2010/main" val="3519570747"/>
+      </p:ext>
+    </p:extLst>
+  </p:cSld>
+  <p:clrMapOvr>
+    <a:masterClrMapping/>
+  </p:clrMapOvr>
+</p:notes>
+</file>
+
+<file path=ppt/notesSlides/notesSlide5.xml><?xml version="1.0" encoding="utf-8"?>
+<p:notes xmlns:a="http://schemas.openxmlformats.org/drawingml/2006/main" xmlns:r="http://schemas.openxmlformats.org/officeDocument/2006/relationships" xmlns:p="http://schemas.openxmlformats.org/presentationml/2006/main">
+  <p:cSld>
+    <p:spTree>
+      <p:nvGrpSpPr>
+        <p:cNvPr id="1" name=""/>
+        <p:cNvGrpSpPr/>
+        <p:nvPr/>
+      </p:nvGrpSpPr>
+      <p:grpSpPr>
+        <a:xfrm>
+          <a:off x="0" y="0"/>
+          <a:ext cx="0" cy="0"/>
+          <a:chOff x="0" y="0"/>
+          <a:chExt cx="0" cy="0"/>
+        </a:xfrm>
+      </p:grpSpPr>
+      <p:sp>
+        <p:nvSpPr>
+          <p:cNvPr id="2" name="Slide Image Placeholder 1"/>
+          <p:cNvSpPr>
+            <a:spLocks noGrp="1" noRot="1" noChangeAspect="1"/>
+          </p:cNvSpPr>
+          <p:nvPr>
+            <p:ph type="sldImg"/>
+          </p:nvPr>
+        </p:nvSpPr>
+        <p:spPr/>
+      </p:sp>
+      <p:sp>
+        <p:nvSpPr>
+          <p:cNvPr id="3" name="Notes Placeholder 2"/>
+          <p:cNvSpPr>
+            <a:spLocks noGrp="1"/>
+          </p:cNvSpPr>
+          <p:nvPr>
+            <p:ph type="body" idx="1"/>
+          </p:nvPr>
+        </p:nvSpPr>
+        <p:spPr>
+          <a:xfrm>
+            <a:off x="679450" y="4778375"/>
+            <a:ext cx="5438775" cy="3908425"/>
+          </a:xfrm>
+          <a:prstGeom prst="rect">
+            <a:avLst/>
+          </a:prstGeom>
+        </p:spPr>
+        <p:txBody>
+          <a:bodyPr/>
+          <a:lstStyle/>
+          <a:p>
+            <a:endParaRPr lang="en-PH" dirty="0"/>
+          </a:p>
+        </p:txBody>
+      </p:sp>
+      <p:sp>
+        <p:nvSpPr>
+          <p:cNvPr id="4" name="Slide Number Placeholder 3"/>
+          <p:cNvSpPr>
+            <a:spLocks noGrp="1"/>
+          </p:cNvSpPr>
+          <p:nvPr>
+            <p:ph type="sldNum" sz="quarter" idx="5"/>
+          </p:nvPr>
+        </p:nvSpPr>
+        <p:spPr/>
+        <p:txBody>
+          <a:bodyPr/>
+          <a:lstStyle/>
+          <a:p>
+            <a:fld id="{E9CED1A8-8C93-4BD0-9402-1D92621696DA}" type="slidenum">
+              <a:rPr lang="ko-KR" altLang="en-US" smtClean="0"/>
+              <a:t>15</a:t>
+            </a:fld>
+            <a:endParaRPr lang="ko-KR" altLang="en-US"/>
+          </a:p>
+        </p:txBody>
+      </p:sp>
+    </p:spTree>
+    <p:extLst>
+      <p:ext uri="{BB962C8B-B14F-4D97-AF65-F5344CB8AC3E}">
+        <p14:creationId xmlns:p14="http://schemas.microsoft.com/office/powerpoint/2010/main" val="3955175396"/>
       </p:ext>
     </p:extLst>
   </p:cSld>
@@ -1539,7 +1928,7 @@
             </a:r>
             <a:r>
               <a:rPr lang="en-US" sz="2800" dirty="0">
-                <a:hlinkClick r:id="rId2"/>
+                <a:hlinkClick r:id="rId3"/>
               </a:rPr>
               <a:t>jchermocilla@up.edu.ph</a:t>
             </a:r>
@@ -1555,7 +1944,7 @@
             </a:r>
             <a:r>
               <a:rPr lang="en-US" sz="2800" dirty="0">
-                <a:hlinkClick r:id="rId3"/>
+                <a:hlinkClick r:id="rId4"/>
               </a:rPr>
               <a:t>https://jachermocilla.org</a:t>
             </a:r>
@@ -1581,7 +1970,7 @@
           <p:nvPr/>
         </p:nvPicPr>
         <p:blipFill>
-          <a:blip r:embed="rId4">
+          <a:blip r:embed="rId5">
             <a:extLst>
               <a:ext uri="{28A0092B-C50C-407E-A947-70E740481C1C}">
                 <a14:useLocalDpi xmlns:a14="http://schemas.microsoft.com/office/drawing/2010/main" val="0"/>
@@ -1617,7 +2006,7 @@
           <p:nvPr/>
         </p:nvPicPr>
         <p:blipFill rotWithShape="1">
-          <a:blip r:embed="rId5" cstate="print">
+          <a:blip r:embed="rId6" cstate="print">
             <a:extLst>
               <a:ext uri="{28A0092B-C50C-407E-A947-70E740481C1C}">
                 <a14:useLocalDpi xmlns:a14="http://schemas.microsoft.com/office/drawing/2010/main" val="0"/>
@@ -1652,7 +2041,7 @@
           <p:nvPr/>
         </p:nvPicPr>
         <p:blipFill>
-          <a:blip r:embed="rId6" cstate="print">
+          <a:blip r:embed="rId7" cstate="print">
             <a:extLst>
               <a:ext uri="{28A0092B-C50C-407E-A947-70E740481C1C}">
                 <a14:useLocalDpi xmlns:a14="http://schemas.microsoft.com/office/drawing/2010/main" val="0"/>
@@ -1688,7 +2077,7 @@
           <p:nvPr/>
         </p:nvPicPr>
         <p:blipFill>
-          <a:blip r:embed="rId7" cstate="print">
+          <a:blip r:embed="rId8" cstate="print">
             <a:extLst>
               <a:ext uri="{28A0092B-C50C-407E-A947-70E740481C1C}">
                 <a14:useLocalDpi xmlns:a14="http://schemas.microsoft.com/office/drawing/2010/main" val="0"/>
@@ -1726,6 +2115,219 @@
 </file>
 
 <file path=ppt/slides/slide10.xml><?xml version="1.0" encoding="utf-8"?>
+<p:sld xmlns:a="http://schemas.openxmlformats.org/drawingml/2006/main" xmlns:r="http://schemas.openxmlformats.org/officeDocument/2006/relationships" xmlns:p="http://schemas.openxmlformats.org/presentationml/2006/main" showMasterSp="0">
+  <p:cSld>
+    <p:spTree>
+      <p:nvGrpSpPr>
+        <p:cNvPr id="1" name=""/>
+        <p:cNvGrpSpPr/>
+        <p:nvPr/>
+      </p:nvGrpSpPr>
+      <p:grpSpPr>
+        <a:xfrm>
+          <a:off x="0" y="0"/>
+          <a:ext cx="0" cy="0"/>
+          <a:chOff x="0" y="0"/>
+          <a:chExt cx="0" cy="0"/>
+        </a:xfrm>
+      </p:grpSpPr>
+      <p:sp>
+        <p:nvSpPr>
+          <p:cNvPr id="2" name="제목 1"/>
+          <p:cNvSpPr>
+            <a:spLocks noGrp="1"/>
+          </p:cNvSpPr>
+          <p:nvPr>
+            <p:ph type="title"/>
+          </p:nvPr>
+        </p:nvSpPr>
+        <p:spPr/>
+        <p:txBody>
+          <a:bodyPr/>
+          <a:lstStyle/>
+          <a:p>
+            <a:r>
+              <a:rPr lang="en-US" altLang="ko-KR" dirty="0"/>
+              <a:t>Process Creation (Cont.)</a:t>
+            </a:r>
+            <a:endParaRPr lang="ko-KR" altLang="en-US" dirty="0"/>
+          </a:p>
+        </p:txBody>
+      </p:sp>
+      <p:sp>
+        <p:nvSpPr>
+          <p:cNvPr id="3" name="내용 개체 틀 2"/>
+          <p:cNvSpPr>
+            <a:spLocks noGrp="1"/>
+          </p:cNvSpPr>
+          <p:nvPr>
+            <p:ph idx="1"/>
+          </p:nvPr>
+        </p:nvSpPr>
+        <p:spPr/>
+        <p:txBody>
+          <a:bodyPr/>
+          <a:lstStyle/>
+          <a:p>
+            <a:pPr marL="457200" indent="-457200">
+              <a:buFont typeface="+mj-lt"/>
+              <a:buAutoNum type="arabicPeriod" startAt="3"/>
+            </a:pPr>
+            <a:r>
+              <a:rPr lang="en-US" altLang="ko-KR" dirty="0"/>
+              <a:t>The program’s </a:t>
+            </a:r>
+            <a:r>
+              <a:rPr lang="en-US" altLang="ko-KR" b="1" dirty="0"/>
+              <a:t>heap</a:t>
+            </a:r>
+            <a:r>
+              <a:rPr lang="en-US" altLang="ko-KR" dirty="0"/>
+              <a:t> is created.</a:t>
+            </a:r>
+          </a:p>
+          <a:p>
+            <a:pPr lvl="1"/>
+            <a:r>
+              <a:rPr lang="en-US" altLang="ko-KR" dirty="0"/>
+              <a:t>Used for explicitly requested dynamically allocated data.</a:t>
+            </a:r>
+          </a:p>
+          <a:p>
+            <a:pPr lvl="1"/>
+            <a:r>
+              <a:rPr lang="en-US" altLang="ko-KR" dirty="0"/>
+              <a:t>Program request such space by calling </a:t>
+            </a:r>
+            <a:r>
+              <a:rPr lang="en-US" altLang="ko-KR" dirty="0" err="1">
+                <a:latin typeface="Courier New" pitchFamily="49" charset="0"/>
+                <a:cs typeface="Courier New" pitchFamily="49" charset="0"/>
+              </a:rPr>
+              <a:t>malloc</a:t>
+            </a:r>
+            <a:r>
+              <a:rPr lang="en-US" altLang="ko-KR" dirty="0">
+                <a:latin typeface="Courier New" pitchFamily="49" charset="0"/>
+                <a:cs typeface="Courier New" pitchFamily="49" charset="0"/>
+              </a:rPr>
+              <a:t>() </a:t>
+            </a:r>
+            <a:r>
+              <a:rPr lang="en-US" altLang="ko-KR" dirty="0"/>
+              <a:t>and free it by calling </a:t>
+            </a:r>
+            <a:r>
+              <a:rPr lang="en-US" altLang="ko-KR" dirty="0">
+                <a:latin typeface="Courier New" pitchFamily="49" charset="0"/>
+                <a:cs typeface="Courier New" pitchFamily="49" charset="0"/>
+              </a:rPr>
+              <a:t>free()</a:t>
+            </a:r>
+            <a:r>
+              <a:rPr lang="en-US" altLang="ko-KR" dirty="0"/>
+              <a:t>.</a:t>
+            </a:r>
+          </a:p>
+          <a:p>
+            <a:pPr lvl="1"/>
+            <a:endParaRPr lang="en-US" altLang="ko-KR" dirty="0"/>
+          </a:p>
+          <a:p>
+            <a:pPr marL="457200" indent="-457200">
+              <a:buFont typeface="+mj-lt"/>
+              <a:buAutoNum type="arabicPeriod" startAt="4"/>
+            </a:pPr>
+            <a:r>
+              <a:rPr lang="en-US" altLang="ko-KR" dirty="0"/>
+              <a:t>The OS do some other initialization tasks.</a:t>
+            </a:r>
+          </a:p>
+          <a:p>
+            <a:pPr lvl="1"/>
+            <a:r>
+              <a:rPr lang="en-US" altLang="ko-KR" dirty="0"/>
+              <a:t>input/output (I/O) setup</a:t>
+            </a:r>
+          </a:p>
+          <a:p>
+            <a:pPr lvl="2"/>
+            <a:r>
+              <a:rPr lang="en-US" altLang="ko-KR" dirty="0"/>
+              <a:t>Each process by default has three open file descriptors.</a:t>
+            </a:r>
+          </a:p>
+          <a:p>
+            <a:pPr lvl="2"/>
+            <a:r>
+              <a:rPr lang="en-US" altLang="ko-KR" dirty="0"/>
+              <a:t>Standard input (STDIN), standard output(STDOUT), and standard error(STDERR)</a:t>
+            </a:r>
+          </a:p>
+          <a:p>
+            <a:pPr lvl="2"/>
+            <a:endParaRPr lang="en-US" altLang="ko-KR" dirty="0"/>
+          </a:p>
+          <a:p>
+            <a:pPr marL="457200" indent="-457200">
+              <a:buFont typeface="+mj-lt"/>
+              <a:buAutoNum type="arabicPeriod" startAt="4"/>
+            </a:pPr>
+            <a:r>
+              <a:rPr lang="en-US" altLang="ko-KR" b="1" dirty="0"/>
+              <a:t>Start the program </a:t>
+            </a:r>
+            <a:r>
+              <a:rPr lang="en-US" altLang="ko-KR" dirty="0"/>
+              <a:t>running at the entry point, namely </a:t>
+            </a:r>
+            <a:r>
+              <a:rPr lang="en-US" altLang="ko-KR" dirty="0">
+                <a:latin typeface="Courier New" pitchFamily="49" charset="0"/>
+                <a:cs typeface="Courier New" pitchFamily="49" charset="0"/>
+              </a:rPr>
+              <a:t>main()</a:t>
+            </a:r>
+            <a:r>
+              <a:rPr lang="en-US" altLang="ko-KR" dirty="0"/>
+              <a:t>.</a:t>
+            </a:r>
+          </a:p>
+          <a:p>
+            <a:pPr lvl="1"/>
+            <a:r>
+              <a:rPr lang="en-US" altLang="ko-KR" dirty="0"/>
+              <a:t>The OS </a:t>
+            </a:r>
+            <a:r>
+              <a:rPr lang="en-US" altLang="ko-KR" i="1" dirty="0"/>
+              <a:t>transfers control </a:t>
+            </a:r>
+            <a:r>
+              <a:rPr lang="en-US" altLang="ko-KR" dirty="0"/>
+              <a:t>of the CPU to the newly-created process.</a:t>
+            </a:r>
+            <a:endParaRPr lang="ko-KR" altLang="en-US" dirty="0"/>
+          </a:p>
+        </p:txBody>
+      </p:sp>
+    </p:spTree>
+    <p:extLst>
+      <p:ext uri="{BB962C8B-B14F-4D97-AF65-F5344CB8AC3E}">
+        <p14:creationId xmlns:p14="http://schemas.microsoft.com/office/powerpoint/2010/main" val="3132999154"/>
+      </p:ext>
+    </p:extLst>
+  </p:cSld>
+  <p:clrMapOvr>
+    <a:masterClrMapping/>
+  </p:clrMapOvr>
+  <p:transition>
+    <p:zoom/>
+  </p:transition>
+</p:sld>
+</file>
+
+<file path=ppt/slides/slide11.xml><?xml version="1.0" encoding="utf-8"?>
 <p:sld xmlns:a="http://schemas.openxmlformats.org/drawingml/2006/main" xmlns:r="http://schemas.openxmlformats.org/officeDocument/2006/relationships" xmlns:p="http://schemas.openxmlformats.org/presentationml/2006/main" showMasterSp="0">
   <p:cSld>
     <p:spTree>
@@ -2300,7 +2902,7 @@
         <p:spPr>
           <a:xfrm>
             <a:off x="4541490" y="4781473"/>
-            <a:ext cx="1440160" cy="738664"/>
+            <a:ext cx="1440160" cy="523220"/>
           </a:xfrm>
           <a:prstGeom prst="rect">
             <a:avLst/>
@@ -2336,19 +2938,6 @@
                 <a:ea typeface="맑은 고딕" pitchFamily="50" charset="-127"/>
               </a:rPr>
               <a:t>static data</a:t>
-            </a:r>
-          </a:p>
-          <a:p>
-            <a:pPr algn="ctr"/>
-            <a:r>
-              <a:rPr lang="en-US" altLang="ko-KR" sz="1400" dirty="0">
-                <a:solidFill>
-                  <a:prstClr val="black"/>
-                </a:solidFill>
-                <a:latin typeface="맑은 고딕" pitchFamily="50" charset="-127"/>
-                <a:ea typeface="맑은 고딕" pitchFamily="50" charset="-127"/>
-              </a:rPr>
-              <a:t>heap</a:t>
             </a:r>
             <a:endParaRPr lang="ko-KR" altLang="en-US" sz="1400" dirty="0">
               <a:solidFill>
@@ -2457,12 +3046,12 @@
         </p:nvCxnSpPr>
         <p:spPr>
           <a:xfrm flipV="1">
-            <a:off x="5981650" y="2367591"/>
-            <a:ext cx="986830" cy="2783215"/>
+            <a:off x="5981650" y="2367590"/>
+            <a:ext cx="986830" cy="2675493"/>
           </a:xfrm>
           <a:prstGeom prst="bentConnector3">
             <a:avLst>
-              <a:gd name="adj1" fmla="val 137643"/>
+              <a:gd name="adj1" fmla="val 123165"/>
             </a:avLst>
           </a:prstGeom>
           <a:ln w="12700">
@@ -2706,7 +3295,7 @@
 </p:sld>
 </file>
 
-<file path=ppt/slides/slide11.xml><?xml version="1.0" encoding="utf-8"?>
+<file path=ppt/slides/slide12.xml><?xml version="1.0" encoding="utf-8"?>
 <p:sld xmlns:a="http://schemas.openxmlformats.org/drawingml/2006/main" xmlns:r="http://schemas.openxmlformats.org/officeDocument/2006/relationships" xmlns:p="http://schemas.openxmlformats.org/presentationml/2006/main" showMasterSp="0">
   <p:cSld>
     <p:spTree>
@@ -2763,7 +3352,7 @@
           <a:p>
             <a:r>
               <a:rPr lang="en-US" altLang="ko-KR" dirty="0"/>
-              <a:t>A process can be one of three states.</a:t>
+              <a:t>A process can be in one of three states.</a:t>
             </a:r>
           </a:p>
           <a:p>
@@ -2777,7 +3366,7 @@
             <a:pPr lvl="2"/>
             <a:r>
               <a:rPr lang="en-US" altLang="ko-KR" dirty="0"/>
-              <a:t>A process is running on a processor.</a:t>
+              <a:t>A process is running on a processor. Instructions are being executed</a:t>
             </a:r>
           </a:p>
           <a:p>
@@ -2791,7 +3380,7 @@
             <a:pPr lvl="2"/>
             <a:r>
               <a:rPr lang="en-US" altLang="ko-KR" dirty="0"/>
-              <a:t>A process is ready to run but for some reason the OS has chosen not to run it at this given moment.</a:t>
+              <a:t>A process is ready to run but for some reason the OS has chosen not to run it at this given moment</a:t>
             </a:r>
           </a:p>
           <a:p>
@@ -2805,16 +3394,36 @@
             <a:pPr lvl="2"/>
             <a:r>
               <a:rPr lang="en-US" altLang="ko-KR" dirty="0"/>
-              <a:t>A process has performed some kind of operation.</a:t>
+              <a:t>A process has performed some kind of operation and is waiting for the result</a:t>
             </a:r>
           </a:p>
           <a:p>
             <a:pPr lvl="2"/>
             <a:r>
               <a:rPr lang="en-US" altLang="ko-KR" dirty="0"/>
-              <a:t>When a process initiates an I/O request to a disk, it becomes blocked and thus some other process can use the processor.</a:t>
-            </a:r>
-            <a:endParaRPr lang="ko-KR" altLang="en-US" dirty="0"/>
+              <a:t>Example: When a process initiates an I/O request to a disk, it becomes blocked and thus some other process can use the processor</a:t>
+            </a:r>
+          </a:p>
+          <a:p>
+            <a:r>
+              <a:rPr lang="en-US" altLang="ko-KR" dirty="0"/>
+              <a:t>Additional states may be present depending on the OS</a:t>
+            </a:r>
+          </a:p>
+          <a:p>
+            <a:pPr lvl="1"/>
+            <a:r>
+              <a:rPr lang="en-US" altLang="ko-KR" b="1" dirty="0"/>
+              <a:t>Initial</a:t>
+            </a:r>
+          </a:p>
+          <a:p>
+            <a:pPr lvl="1"/>
+            <a:r>
+              <a:rPr lang="en-US" altLang="ko-KR" b="1" dirty="0"/>
+              <a:t>Final/Terminated</a:t>
+            </a:r>
+            <a:endParaRPr lang="ko-KR" altLang="en-US" b="1" dirty="0"/>
           </a:p>
         </p:txBody>
       </p:sp>
@@ -2834,7 +3443,7 @@
 </p:sld>
 </file>
 
-<file path=ppt/slides/slide12.xml><?xml version="1.0" encoding="utf-8"?>
+<file path=ppt/slides/slide13.xml><?xml version="1.0" encoding="utf-8"?>
 <p:sld xmlns:a="http://schemas.openxmlformats.org/drawingml/2006/main" xmlns:r="http://schemas.openxmlformats.org/officeDocument/2006/relationships" xmlns:p="http://schemas.openxmlformats.org/presentationml/2006/main" showMasterSp="0">
   <p:cSld>
     <p:spTree>
@@ -3388,6 +3997,94 @@
           </a:fontRef>
         </p:style>
       </p:cxnSp>
+      <p:sp>
+        <p:nvSpPr>
+          <p:cNvPr id="15" name="TextBox 14">
+            <a:extLst>
+              <a:ext uri="{FF2B5EF4-FFF2-40B4-BE49-F238E27FC236}">
+                <a16:creationId xmlns:a16="http://schemas.microsoft.com/office/drawing/2014/main" id="{822D09D1-60AA-4ABA-A8B7-9CC0340048BF}"/>
+              </a:ext>
+            </a:extLst>
+          </p:cNvPr>
+          <p:cNvSpPr txBox="1"/>
+          <p:nvPr/>
+        </p:nvSpPr>
+        <p:spPr>
+          <a:xfrm>
+            <a:off x="4871864" y="734845"/>
+            <a:ext cx="2448272" cy="1200329"/>
+          </a:xfrm>
+          <a:prstGeom prst="rect">
+            <a:avLst/>
+          </a:prstGeom>
+          <a:noFill/>
+        </p:spPr>
+        <p:txBody>
+          <a:bodyPr wrap="square">
+            <a:spAutoFit/>
+          </a:bodyPr>
+          <a:lstStyle/>
+          <a:p>
+            <a:pPr algn="ctr"/>
+            <a:r>
+              <a:rPr lang="en-US" altLang="ko-KR" sz="1800" dirty="0">
+                <a:solidFill>
+                  <a:srgbClr val="FF0000"/>
+                </a:solidFill>
+                <a:latin typeface="맑은 고딕" pitchFamily="50" charset="-127"/>
+                <a:ea typeface="맑은 고딕" pitchFamily="50" charset="-127"/>
+              </a:rPr>
+              <a:t>Decided by the </a:t>
+            </a:r>
+          </a:p>
+          <a:p>
+            <a:pPr algn="ctr"/>
+            <a:r>
+              <a:rPr lang="en-US" altLang="ko-KR" sz="1800" b="1" dirty="0">
+                <a:solidFill>
+                  <a:srgbClr val="FF0000"/>
+                </a:solidFill>
+                <a:latin typeface="맑은 고딕" pitchFamily="50" charset="-127"/>
+                <a:ea typeface="맑은 고딕" pitchFamily="50" charset="-127"/>
+              </a:rPr>
+              <a:t>scheduler</a:t>
+            </a:r>
+            <a:r>
+              <a:rPr lang="en-US" altLang="ko-KR" sz="1800" dirty="0">
+                <a:solidFill>
+                  <a:srgbClr val="FF0000"/>
+                </a:solidFill>
+                <a:latin typeface="맑은 고딕" pitchFamily="50" charset="-127"/>
+                <a:ea typeface="맑은 고딕" pitchFamily="50" charset="-127"/>
+              </a:rPr>
+              <a:t> </a:t>
+            </a:r>
+          </a:p>
+          <a:p>
+            <a:pPr algn="ctr"/>
+            <a:r>
+              <a:rPr lang="en-US" altLang="ko-KR" sz="1800" dirty="0">
+                <a:solidFill>
+                  <a:srgbClr val="FF0000"/>
+                </a:solidFill>
+                <a:latin typeface="맑은 고딕" pitchFamily="50" charset="-127"/>
+                <a:ea typeface="맑은 고딕" pitchFamily="50" charset="-127"/>
+              </a:rPr>
+              <a:t>module of the OS</a:t>
+            </a:r>
+          </a:p>
+          <a:p>
+            <a:pPr algn="ctr"/>
+            <a:endParaRPr lang="ko-KR" altLang="en-US" sz="1800" dirty="0">
+              <a:solidFill>
+                <a:srgbClr val="FF0000"/>
+              </a:solidFill>
+              <a:latin typeface="맑은 고딕" pitchFamily="50" charset="-127"/>
+              <a:ea typeface="맑은 고딕" pitchFamily="50" charset="-127"/>
+            </a:endParaRPr>
+          </a:p>
+        </p:txBody>
+      </p:sp>
     </p:spTree>
     <p:extLst>
       <p:ext uri="{BB962C8B-B14F-4D97-AF65-F5344CB8AC3E}">
@@ -3404,7 +4101,249 @@
 </p:sld>
 </file>
 
-<file path=ppt/slides/slide13.xml><?xml version="1.0" encoding="utf-8"?>
+<file path=ppt/slides/slide14.xml><?xml version="1.0" encoding="utf-8"?>
+<p:sld xmlns:a="http://schemas.openxmlformats.org/drawingml/2006/main" xmlns:r="http://schemas.openxmlformats.org/officeDocument/2006/relationships" xmlns:p="http://schemas.openxmlformats.org/presentationml/2006/main">
+  <p:cSld>
+    <p:spTree>
+      <p:nvGrpSpPr>
+        <p:cNvPr id="1" name=""/>
+        <p:cNvGrpSpPr/>
+        <p:nvPr/>
+      </p:nvGrpSpPr>
+      <p:grpSpPr>
+        <a:xfrm>
+          <a:off x="0" y="0"/>
+          <a:ext cx="0" cy="0"/>
+          <a:chOff x="0" y="0"/>
+          <a:chExt cx="0" cy="0"/>
+        </a:xfrm>
+      </p:grpSpPr>
+      <p:sp>
+        <p:nvSpPr>
+          <p:cNvPr id="3" name="Title 2">
+            <a:extLst>
+              <a:ext uri="{FF2B5EF4-FFF2-40B4-BE49-F238E27FC236}">
+                <a16:creationId xmlns:a16="http://schemas.microsoft.com/office/drawing/2014/main" id="{53DBEC4F-FACA-4FD1-A7E5-62603C3DE85C}"/>
+              </a:ext>
+            </a:extLst>
+          </p:cNvPr>
+          <p:cNvSpPr>
+            <a:spLocks noGrp="1"/>
+          </p:cNvSpPr>
+          <p:nvPr>
+            <p:ph type="title"/>
+          </p:nvPr>
+        </p:nvSpPr>
+        <p:spPr/>
+        <p:txBody>
+          <a:bodyPr/>
+          <a:lstStyle/>
+          <a:p>
+            <a:r>
+              <a:rPr lang="en-US" dirty="0"/>
+              <a:t>Tracing Process States: CPU Only</a:t>
+            </a:r>
+            <a:endParaRPr lang="en-PH" dirty="0"/>
+          </a:p>
+        </p:txBody>
+      </p:sp>
+      <p:sp>
+        <p:nvSpPr>
+          <p:cNvPr id="4" name="Content Placeholder 3">
+            <a:extLst>
+              <a:ext uri="{FF2B5EF4-FFF2-40B4-BE49-F238E27FC236}">
+                <a16:creationId xmlns:a16="http://schemas.microsoft.com/office/drawing/2014/main" id="{E8102B49-8AA5-4A5F-A513-74BA7EADB18A}"/>
+              </a:ext>
+            </a:extLst>
+          </p:cNvPr>
+          <p:cNvSpPr>
+            <a:spLocks noGrp="1"/>
+          </p:cNvSpPr>
+          <p:nvPr>
+            <p:ph idx="1"/>
+          </p:nvPr>
+        </p:nvSpPr>
+        <p:spPr/>
+        <p:txBody>
+          <a:bodyPr/>
+          <a:lstStyle/>
+          <a:p>
+            <a:r>
+              <a:rPr lang="en-US" dirty="0"/>
+              <a:t>Assumes a single processor is available</a:t>
+            </a:r>
+            <a:endParaRPr lang="en-PH" dirty="0"/>
+          </a:p>
+        </p:txBody>
+      </p:sp>
+      <p:pic>
+        <p:nvPicPr>
+          <p:cNvPr id="6" name="Picture 5" descr="Table&#10;&#10;Description automatically generated">
+            <a:extLst>
+              <a:ext uri="{FF2B5EF4-FFF2-40B4-BE49-F238E27FC236}">
+                <a16:creationId xmlns:a16="http://schemas.microsoft.com/office/drawing/2014/main" id="{3E94950F-7F4C-4BC9-843C-C8B8E3799B37}"/>
+              </a:ext>
+            </a:extLst>
+          </p:cNvPr>
+          <p:cNvPicPr>
+            <a:picLocks noChangeAspect="1"/>
+          </p:cNvPicPr>
+          <p:nvPr/>
+        </p:nvPicPr>
+        <p:blipFill>
+          <a:blip r:embed="rId3"/>
+          <a:stretch>
+            <a:fillRect/>
+          </a:stretch>
+        </p:blipFill>
+        <p:spPr>
+          <a:xfrm>
+            <a:off x="2711624" y="2276872"/>
+            <a:ext cx="7070139" cy="3125887"/>
+          </a:xfrm>
+          <a:prstGeom prst="rect">
+            <a:avLst/>
+          </a:prstGeom>
+        </p:spPr>
+      </p:pic>
+    </p:spTree>
+    <p:extLst>
+      <p:ext uri="{BB962C8B-B14F-4D97-AF65-F5344CB8AC3E}">
+        <p14:creationId xmlns:p14="http://schemas.microsoft.com/office/powerpoint/2010/main" val="1606056572"/>
+      </p:ext>
+    </p:extLst>
+  </p:cSld>
+  <p:clrMapOvr>
+    <a:masterClrMapping/>
+  </p:clrMapOvr>
+  <p:transition>
+    <p:zoom/>
+  </p:transition>
+</p:sld>
+</file>
+
+<file path=ppt/slides/slide15.xml><?xml version="1.0" encoding="utf-8"?>
+<p:sld xmlns:a="http://schemas.openxmlformats.org/drawingml/2006/main" xmlns:r="http://schemas.openxmlformats.org/officeDocument/2006/relationships" xmlns:p="http://schemas.openxmlformats.org/presentationml/2006/main">
+  <p:cSld>
+    <p:spTree>
+      <p:nvGrpSpPr>
+        <p:cNvPr id="1" name=""/>
+        <p:cNvGrpSpPr/>
+        <p:nvPr/>
+      </p:nvGrpSpPr>
+      <p:grpSpPr>
+        <a:xfrm>
+          <a:off x="0" y="0"/>
+          <a:ext cx="0" cy="0"/>
+          <a:chOff x="0" y="0"/>
+          <a:chExt cx="0" cy="0"/>
+        </a:xfrm>
+      </p:grpSpPr>
+      <p:sp>
+        <p:nvSpPr>
+          <p:cNvPr id="3" name="Title 2">
+            <a:extLst>
+              <a:ext uri="{FF2B5EF4-FFF2-40B4-BE49-F238E27FC236}">
+                <a16:creationId xmlns:a16="http://schemas.microsoft.com/office/drawing/2014/main" id="{53DBEC4F-FACA-4FD1-A7E5-62603C3DE85C}"/>
+              </a:ext>
+            </a:extLst>
+          </p:cNvPr>
+          <p:cNvSpPr>
+            <a:spLocks noGrp="1"/>
+          </p:cNvSpPr>
+          <p:nvPr>
+            <p:ph type="title"/>
+          </p:nvPr>
+        </p:nvSpPr>
+        <p:spPr/>
+        <p:txBody>
+          <a:bodyPr/>
+          <a:lstStyle/>
+          <a:p>
+            <a:r>
+              <a:rPr lang="en-US" dirty="0"/>
+              <a:t>Tracing Process States: CPU and I/O</a:t>
+            </a:r>
+            <a:endParaRPr lang="en-PH" dirty="0"/>
+          </a:p>
+        </p:txBody>
+      </p:sp>
+      <p:sp>
+        <p:nvSpPr>
+          <p:cNvPr id="4" name="Content Placeholder 3">
+            <a:extLst>
+              <a:ext uri="{FF2B5EF4-FFF2-40B4-BE49-F238E27FC236}">
+                <a16:creationId xmlns:a16="http://schemas.microsoft.com/office/drawing/2014/main" id="{E8102B49-8AA5-4A5F-A513-74BA7EADB18A}"/>
+              </a:ext>
+            </a:extLst>
+          </p:cNvPr>
+          <p:cNvSpPr>
+            <a:spLocks noGrp="1"/>
+          </p:cNvSpPr>
+          <p:nvPr>
+            <p:ph idx="1"/>
+          </p:nvPr>
+        </p:nvSpPr>
+        <p:spPr/>
+        <p:txBody>
+          <a:bodyPr/>
+          <a:lstStyle/>
+          <a:p>
+            <a:r>
+              <a:rPr lang="en-US" dirty="0"/>
+              <a:t>Assumes a single processor is available</a:t>
+            </a:r>
+            <a:endParaRPr lang="en-PH" dirty="0"/>
+          </a:p>
+        </p:txBody>
+      </p:sp>
+      <p:pic>
+        <p:nvPicPr>
+          <p:cNvPr id="5" name="Picture 4" descr="Table&#10;&#10;Description automatically generated">
+            <a:extLst>
+              <a:ext uri="{FF2B5EF4-FFF2-40B4-BE49-F238E27FC236}">
+                <a16:creationId xmlns:a16="http://schemas.microsoft.com/office/drawing/2014/main" id="{D905B6D8-06C2-4975-93FF-3BDBDBD7E3DE}"/>
+              </a:ext>
+            </a:extLst>
+          </p:cNvPr>
+          <p:cNvPicPr>
+            <a:picLocks noChangeAspect="1"/>
+          </p:cNvPicPr>
+          <p:nvPr/>
+        </p:nvPicPr>
+        <p:blipFill>
+          <a:blip r:embed="rId3"/>
+          <a:stretch>
+            <a:fillRect/>
+          </a:stretch>
+        </p:blipFill>
+        <p:spPr>
+          <a:xfrm>
+            <a:off x="3006944" y="2060848"/>
+            <a:ext cx="6178111" cy="3249141"/>
+          </a:xfrm>
+          <a:prstGeom prst="rect">
+            <a:avLst/>
+          </a:prstGeom>
+        </p:spPr>
+      </p:pic>
+    </p:spTree>
+    <p:extLst>
+      <p:ext uri="{BB962C8B-B14F-4D97-AF65-F5344CB8AC3E}">
+        <p14:creationId xmlns:p14="http://schemas.microsoft.com/office/powerpoint/2010/main" val="2628455710"/>
+      </p:ext>
+    </p:extLst>
+  </p:cSld>
+  <p:clrMapOvr>
+    <a:masterClrMapping/>
+  </p:clrMapOvr>
+  <p:transition>
+    <p:zoom/>
+  </p:transition>
+</p:sld>
+</file>
+
+<file path=ppt/slides/slide16.xml><?xml version="1.0" encoding="utf-8"?>
 <p:sld xmlns:a="http://schemas.openxmlformats.org/drawingml/2006/main" xmlns:r="http://schemas.openxmlformats.org/officeDocument/2006/relationships" xmlns:p="http://schemas.openxmlformats.org/presentationml/2006/main" showMasterSp="0">
   <p:cSld>
     <p:spTree>
@@ -3438,7 +4377,7 @@
           <a:p>
             <a:r>
               <a:rPr lang="en-US" altLang="ko-KR" dirty="0"/>
-              <a:t>Data structures</a:t>
+              <a:t>Data Structures</a:t>
             </a:r>
             <a:endParaRPr lang="ko-KR" altLang="en-US" dirty="0"/>
           </a:p>
@@ -3480,14 +4419,14 @@
             <a:pPr lvl="1"/>
             <a:r>
               <a:rPr lang="en-US" altLang="ko-KR" b="1" dirty="0"/>
-              <a:t>Process list</a:t>
+              <a:t>Process/Tasks lists</a:t>
             </a:r>
           </a:p>
           <a:p>
             <a:pPr lvl="2"/>
             <a:r>
               <a:rPr lang="en-US" altLang="ko-KR" dirty="0"/>
-              <a:t>Ready processes</a:t>
+              <a:t>Ready processes </a:t>
             </a:r>
           </a:p>
           <a:p>
@@ -3512,8 +4451,22 @@
             </a:r>
           </a:p>
           <a:p>
-            <a:pPr lvl="1"/>
-            <a:endParaRPr lang="en-US" altLang="ko-KR" dirty="0"/>
+            <a:pPr lvl="2"/>
+            <a:r>
+              <a:rPr lang="en-US" altLang="ko-KR" dirty="0"/>
+              <a:t>Will hold the values of the registers(in memory) when a process is stopped to be able to resume later</a:t>
+            </a:r>
+          </a:p>
+          <a:p>
+            <a:pPr lvl="2"/>
+            <a:r>
+              <a:rPr lang="en-US" altLang="ko-KR" dirty="0"/>
+              <a:t>This is done by copying these values back to the actual registers during a </a:t>
+            </a:r>
+            <a:r>
+              <a:rPr lang="en-US" altLang="ko-KR" b="1" dirty="0"/>
+              <a:t>context-switch</a:t>
+            </a:r>
           </a:p>
           <a:p>
             <a:r>
@@ -3535,7 +4488,7 @@
                   </a:schemeClr>
                 </a:solidFill>
               </a:rPr>
-              <a:t>about each process</a:t>
+              <a:t>about a process</a:t>
             </a:r>
             <a:r>
               <a:rPr lang="en-US" altLang="ko-KR" dirty="0"/>
@@ -3564,7 +4517,7 @@
 </p:sld>
 </file>
 
-<file path=ppt/slides/slide14.xml><?xml version="1.0" encoding="utf-8"?>
+<file path=ppt/slides/slide17.xml><?xml version="1.0" encoding="utf-8"?>
 <p:sld xmlns:a="http://schemas.openxmlformats.org/drawingml/2006/main" xmlns:r="http://schemas.openxmlformats.org/officeDocument/2006/relationships" xmlns:p="http://schemas.openxmlformats.org/presentationml/2006/main" showMasterSp="0">
   <p:cSld>
     <p:spTree>
@@ -3598,15 +4551,7 @@
           <a:p>
             <a:r>
               <a:rPr lang="en-US" altLang="ko-KR" dirty="0"/>
-              <a:t>Example) The xv6 kernel </a:t>
-            </a:r>
-            <a:r>
-              <a:rPr lang="en-US" altLang="ko-KR" dirty="0" err="1"/>
-              <a:t>Proc</a:t>
-            </a:r>
-            <a:r>
-              <a:rPr lang="en-US" altLang="ko-KR" dirty="0"/>
-              <a:t> Structure</a:t>
+              <a:t>Example: The xv6 kernel register context structure and process states definitions</a:t>
             </a:r>
             <a:endParaRPr lang="ko-KR" altLang="en-US" dirty="0"/>
           </a:p>
@@ -4489,7 +5434,7 @@
 </p:sld>
 </file>
 
-<file path=ppt/slides/slide15.xml><?xml version="1.0" encoding="utf-8"?>
+<file path=ppt/slides/slide18.xml><?xml version="1.0" encoding="utf-8"?>
 <p:sld xmlns:a="http://schemas.openxmlformats.org/drawingml/2006/main" xmlns:r="http://schemas.openxmlformats.org/officeDocument/2006/relationships" xmlns:p="http://schemas.openxmlformats.org/presentationml/2006/main" showMasterSp="0">
   <p:cSld>
     <p:spTree>
@@ -4523,15 +5468,7 @@
           <a:p>
             <a:r>
               <a:rPr lang="en-US" altLang="ko-KR" dirty="0"/>
-              <a:t>Example) The xv6 kernel </a:t>
-            </a:r>
-            <a:r>
-              <a:rPr lang="en-US" altLang="ko-KR" dirty="0" err="1"/>
-              <a:t>Proc</a:t>
-            </a:r>
-            <a:r>
-              <a:rPr lang="en-US" altLang="ko-KR" dirty="0"/>
-              <a:t> Structure (Cont.)</a:t>
+              <a:t>Example: The xv6 kernel proc structure definition</a:t>
             </a:r>
             <a:endParaRPr lang="ko-KR" altLang="en-US" dirty="0"/>
           </a:p>
@@ -6127,7 +7064,13 @@
           <a:p>
             <a:r>
               <a:rPr lang="en-US" altLang="ko-KR" dirty="0"/>
-              <a:t>CPU virtualizing</a:t>
+              <a:t>Users want to run many programs but we only have a limited of CPUs (ex. 8 cores)</a:t>
+            </a:r>
+          </a:p>
+          <a:p>
+            <a:r>
+              <a:rPr lang="en-US" altLang="ko-KR" dirty="0"/>
+              <a:t>CPU virtualization</a:t>
             </a:r>
           </a:p>
           <a:p>
@@ -6142,7 +7085,14 @@
             </a:r>
             <a:r>
               <a:rPr lang="en-US" altLang="ko-KR" dirty="0"/>
-              <a:t> that many virtual CPUs exist.</a:t>
+              <a:t> that many virtual CPUs exist</a:t>
+            </a:r>
+          </a:p>
+          <a:p>
+            <a:pPr lvl="2"/>
+            <a:r>
+              <a:rPr lang="en-US" altLang="ko-KR" dirty="0"/>
+              <a:t>How? By juggling programs </a:t>
             </a:r>
           </a:p>
           <a:p>
@@ -6178,8 +7128,98 @@
             </a:r>
           </a:p>
           <a:p>
+            <a:pPr lvl="2"/>
+            <a:r>
+              <a:rPr lang="en-US" altLang="ko-KR" dirty="0"/>
+              <a:t>Via a </a:t>
+            </a:r>
+            <a:r>
+              <a:rPr lang="en-US" altLang="ko-KR" b="1" dirty="0"/>
+              <a:t>mechanism</a:t>
+            </a:r>
+            <a:r>
+              <a:rPr lang="en-US" altLang="ko-KR" dirty="0"/>
+              <a:t> called </a:t>
+            </a:r>
+            <a:r>
+              <a:rPr lang="en-US" altLang="ko-KR" b="1" dirty="0"/>
+              <a:t>context-switch</a:t>
+            </a:r>
+          </a:p>
+          <a:p>
             <a:pPr lvl="1"/>
             <a:endParaRPr lang="en-US" altLang="ko-KR" dirty="0"/>
+          </a:p>
+        </p:txBody>
+      </p:sp>
+      <p:pic>
+        <p:nvPicPr>
+          <p:cNvPr id="5" name="Picture 4" descr="A picture containing clipart&#10;&#10;Description automatically generated">
+            <a:extLst>
+              <a:ext uri="{FF2B5EF4-FFF2-40B4-BE49-F238E27FC236}">
+                <a16:creationId xmlns:a16="http://schemas.microsoft.com/office/drawing/2014/main" id="{6B5607F7-FEBE-42AD-B391-FE9220843938}"/>
+              </a:ext>
+            </a:extLst>
+          </p:cNvPr>
+          <p:cNvPicPr>
+            <a:picLocks noChangeAspect="1"/>
+          </p:cNvPicPr>
+          <p:nvPr/>
+        </p:nvPicPr>
+        <p:blipFill>
+          <a:blip r:embed="rId2">
+            <a:extLst>
+              <a:ext uri="{28A0092B-C50C-407E-A947-70E740481C1C}">
+                <a14:useLocalDpi xmlns:a14="http://schemas.microsoft.com/office/drawing/2010/main" val="0"/>
+              </a:ext>
+            </a:extLst>
+          </a:blip>
+          <a:stretch>
+            <a:fillRect/>
+          </a:stretch>
+        </p:blipFill>
+        <p:spPr>
+          <a:xfrm>
+            <a:off x="8328248" y="2132856"/>
+            <a:ext cx="1791567" cy="3376414"/>
+          </a:xfrm>
+          <a:prstGeom prst="rect">
+            <a:avLst/>
+          </a:prstGeom>
+        </p:spPr>
+      </p:pic>
+      <p:sp>
+        <p:nvSpPr>
+          <p:cNvPr id="7" name="TextBox 6">
+            <a:extLst>
+              <a:ext uri="{FF2B5EF4-FFF2-40B4-BE49-F238E27FC236}">
+                <a16:creationId xmlns:a16="http://schemas.microsoft.com/office/drawing/2014/main" id="{E887A519-A75E-426B-AFFD-B1AA674C3E83}"/>
+              </a:ext>
+            </a:extLst>
+          </p:cNvPr>
+          <p:cNvSpPr txBox="1"/>
+          <p:nvPr/>
+        </p:nvSpPr>
+        <p:spPr>
+          <a:xfrm>
+            <a:off x="7896200" y="5699077"/>
+            <a:ext cx="4990924" cy="246221"/>
+          </a:xfrm>
+          <a:prstGeom prst="rect">
+            <a:avLst/>
+          </a:prstGeom>
+          <a:noFill/>
+        </p:spPr>
+        <p:txBody>
+          <a:bodyPr wrap="square">
+            <a:spAutoFit/>
+          </a:bodyPr>
+          <a:lstStyle/>
+          <a:p>
+            <a:r>
+              <a:rPr lang="en-PH" sz="1000" dirty="0"/>
+              <a:t>http://clipart-library.com/clipart/203581.htm</a:t>
+            </a:r>
           </a:p>
         </p:txBody>
       </p:sp>
@@ -6200,7 +7240,7 @@
 </file>
 
 <file path=ppt/slides/slide6.xml><?xml version="1.0" encoding="utf-8"?>
-<p:sld xmlns:a="http://schemas.openxmlformats.org/drawingml/2006/main" xmlns:r="http://schemas.openxmlformats.org/officeDocument/2006/relationships" xmlns:p="http://schemas.openxmlformats.org/presentationml/2006/main" showMasterSp="0">
+<p:sld xmlns:a="http://schemas.openxmlformats.org/drawingml/2006/main" xmlns:r="http://schemas.openxmlformats.org/officeDocument/2006/relationships" xmlns:p="http://schemas.openxmlformats.org/presentationml/2006/main">
   <p:cSld>
     <p:spTree>
       <p:nvGrpSpPr>
@@ -6218,7 +7258,13 @@
       </p:grpSpPr>
       <p:sp>
         <p:nvSpPr>
-          <p:cNvPr id="2" name="제목 1"/>
+          <p:cNvPr id="3" name="Title 2">
+            <a:extLst>
+              <a:ext uri="{FF2B5EF4-FFF2-40B4-BE49-F238E27FC236}">
+                <a16:creationId xmlns:a16="http://schemas.microsoft.com/office/drawing/2014/main" id="{A817A5A3-F9F2-46E3-BFD7-8B0BDC8AD6C0}"/>
+              </a:ext>
+            </a:extLst>
+          </p:cNvPr>
           <p:cNvSpPr>
             <a:spLocks noGrp="1"/>
           </p:cNvSpPr>
@@ -6232,16 +7278,22 @@
           <a:lstStyle/>
           <a:p>
             <a:r>
-              <a:rPr lang="en-US" altLang="ko-KR" dirty="0"/>
-              <a:t>A Process</a:t>
-            </a:r>
-            <a:endParaRPr lang="ko-KR" altLang="en-US" dirty="0"/>
+              <a:rPr lang="en-US" dirty="0"/>
+              <a:t>Mechanisms and Policies.. Revisited</a:t>
+            </a:r>
+            <a:endParaRPr lang="en-PH" dirty="0"/>
           </a:p>
         </p:txBody>
       </p:sp>
       <p:sp>
         <p:nvSpPr>
-          <p:cNvPr id="3" name="내용 개체 틀 2"/>
+          <p:cNvPr id="4" name="Content Placeholder 3">
+            <a:extLst>
+              <a:ext uri="{FF2B5EF4-FFF2-40B4-BE49-F238E27FC236}">
+                <a16:creationId xmlns:a16="http://schemas.microsoft.com/office/drawing/2014/main" id="{1A72E261-FFDD-4063-93C4-3911782FD1A7}"/>
+              </a:ext>
+            </a:extLst>
+          </p:cNvPr>
           <p:cNvSpPr>
             <a:spLocks noGrp="1"/>
           </p:cNvSpPr>
@@ -6254,149 +7306,82 @@
           <a:bodyPr/>
           <a:lstStyle/>
           <a:p>
-            <a:endParaRPr lang="en-US" altLang="ko-KR" dirty="0"/>
-          </a:p>
-          <a:p>
-            <a:endParaRPr lang="en-US" altLang="ko-KR" dirty="0"/>
-          </a:p>
-          <a:p>
-            <a:r>
-              <a:rPr lang="en-US" altLang="ko-KR" dirty="0"/>
-              <a:t>Comprising of a process:</a:t>
+            <a:r>
+              <a:rPr lang="en-US" b="1" dirty="0"/>
+              <a:t>Mechanism</a:t>
             </a:r>
           </a:p>
           <a:p>
             <a:pPr lvl="1"/>
             <a:r>
-              <a:rPr lang="en-US" altLang="ko-KR" dirty="0"/>
-              <a:t>Memory (address space)</a:t>
-            </a:r>
-          </a:p>
-          <a:p>
-            <a:pPr lvl="2"/>
-            <a:r>
-              <a:rPr lang="en-US" altLang="ko-KR" dirty="0"/>
-              <a:t>Instructions</a:t>
-            </a:r>
-          </a:p>
-          <a:p>
-            <a:pPr lvl="2"/>
-            <a:r>
-              <a:rPr lang="en-US" altLang="ko-KR" dirty="0"/>
-              <a:t>Data section</a:t>
+              <a:rPr lang="en-US" dirty="0"/>
+              <a:t>Low-level methods or protocols that implement a functionality</a:t>
             </a:r>
           </a:p>
           <a:p>
             <a:pPr lvl="1"/>
             <a:r>
-              <a:rPr lang="en-US" altLang="ko-KR" dirty="0"/>
-              <a:t>Registers</a:t>
-            </a:r>
-          </a:p>
-          <a:p>
-            <a:pPr lvl="2"/>
-            <a:r>
-              <a:rPr lang="en-US" altLang="ko-KR" dirty="0"/>
-              <a:t>Program counter</a:t>
-            </a:r>
-          </a:p>
-          <a:p>
-            <a:pPr lvl="2"/>
-            <a:r>
-              <a:rPr lang="en-US" altLang="ko-KR" dirty="0"/>
-              <a:t>Stack pointer</a:t>
+              <a:rPr lang="en-US" dirty="0"/>
+              <a:t>“how?”</a:t>
             </a:r>
           </a:p>
           <a:p>
             <a:pPr lvl="1"/>
-            <a:endParaRPr lang="en-US" altLang="ko-KR" dirty="0"/>
+            <a:r>
+              <a:rPr lang="en-US" dirty="0"/>
+              <a:t>Example: </a:t>
+            </a:r>
+            <a:r>
+              <a:rPr lang="en-US" u="sng" dirty="0"/>
+              <a:t>context-switch</a:t>
+            </a:r>
+            <a:r>
+              <a:rPr lang="en-US" b="1" dirty="0"/>
+              <a:t> </a:t>
+            </a:r>
+          </a:p>
+          <a:p>
+            <a:r>
+              <a:rPr lang="en-US" b="1" dirty="0"/>
+              <a:t>Policy</a:t>
+            </a:r>
           </a:p>
           <a:p>
             <a:pPr lvl="1"/>
-            <a:endParaRPr lang="en-US" altLang="ko-KR" dirty="0"/>
+            <a:r>
+              <a:rPr lang="en-US" dirty="0"/>
+              <a:t>Algorithms for making some kinds of decision within the OS</a:t>
+            </a:r>
           </a:p>
           <a:p>
             <a:pPr lvl="1"/>
-            <a:endParaRPr lang="ko-KR" altLang="en-US" dirty="0"/>
-          </a:p>
-        </p:txBody>
-      </p:sp>
-      <p:sp>
-        <p:nvSpPr>
-          <p:cNvPr id="6" name="모서리가 둥근 직사각형 5"/>
-          <p:cNvSpPr/>
-          <p:nvPr/>
-        </p:nvSpPr>
-        <p:spPr>
-          <a:xfrm>
-            <a:off x="3238464" y="1052736"/>
-            <a:ext cx="5881872" cy="772838"/>
-          </a:xfrm>
-          <a:prstGeom prst="roundRect">
-            <a:avLst/>
-          </a:prstGeom>
-          <a:solidFill>
-            <a:srgbClr val="FFC000"/>
-          </a:solidFill>
-          <a:ln w="15875">
-            <a:solidFill>
-              <a:schemeClr val="accent6">
-                <a:lumMod val="50000"/>
-              </a:schemeClr>
-            </a:solidFill>
-          </a:ln>
-          <a:effectLst/>
-        </p:spPr>
-        <p:style>
-          <a:lnRef idx="3">
-            <a:schemeClr val="lt1"/>
-          </a:lnRef>
-          <a:fillRef idx="1">
-            <a:schemeClr val="accent1"/>
-          </a:fillRef>
-          <a:effectRef idx="1">
-            <a:schemeClr val="accent1"/>
-          </a:effectRef>
-          <a:fontRef idx="minor">
-            <a:schemeClr val="lt1"/>
-          </a:fontRef>
-        </p:style>
-        <p:txBody>
-          <a:bodyPr wrap="square" lIns="108000" rIns="108000" rtlCol="0" anchor="ctr">
-            <a:noAutofit/>
-          </a:bodyPr>
-          <a:lstStyle/>
-          <a:p>
-            <a:pPr algn="ctr"/>
-            <a:r>
-              <a:rPr lang="en-US" altLang="ko-KR" sz="2000" b="1" dirty="0">
-                <a:solidFill>
-                  <a:prstClr val="black"/>
-                </a:solidFill>
-                <a:latin typeface="맑은 고딕" panose="020B0503020000020004" pitchFamily="50" charset="-127"/>
-                <a:ea typeface="맑은 고딕" panose="020B0503020000020004" pitchFamily="50" charset="-127"/>
-              </a:rPr>
-              <a:t>A process is a </a:t>
-            </a:r>
-            <a:r>
-              <a:rPr lang="en-US" altLang="ko-KR" sz="2000" b="1" dirty="0">
-                <a:solidFill>
-                  <a:srgbClr val="FF0000"/>
-                </a:solidFill>
-                <a:latin typeface="맑은 고딕" panose="020B0503020000020004" pitchFamily="50" charset="-127"/>
-                <a:ea typeface="맑은 고딕" panose="020B0503020000020004" pitchFamily="50" charset="-127"/>
-              </a:rPr>
-              <a:t>running program</a:t>
-            </a:r>
-            <a:r>
-              <a:rPr lang="en-US" altLang="ko-KR" sz="2000" b="1" dirty="0">
-                <a:solidFill>
-                  <a:prstClr val="black"/>
-                </a:solidFill>
-                <a:latin typeface="맑은 고딕" panose="020B0503020000020004" pitchFamily="50" charset="-127"/>
-                <a:ea typeface="맑은 고딕" panose="020B0503020000020004" pitchFamily="50" charset="-127"/>
-              </a:rPr>
-              <a:t>.</a:t>
+            <a:r>
+              <a:rPr lang="en-US" dirty="0"/>
+              <a:t>“which?”</a:t>
+            </a:r>
+            <a:endParaRPr lang="en-PH" dirty="0"/>
+          </a:p>
+          <a:p>
+            <a:pPr lvl="1"/>
+            <a:r>
+              <a:rPr lang="en-US" dirty="0"/>
+              <a:t>Example: </a:t>
+            </a:r>
+            <a:r>
+              <a:rPr lang="en-US" u="sng" dirty="0"/>
+              <a:t>scheduling policy</a:t>
+            </a:r>
+            <a:r>
+              <a:rPr lang="en-US" dirty="0"/>
+              <a:t> - deciding which program to run </a:t>
+            </a:r>
+            <a:r>
+              <a:rPr lang="en-US" dirty="0" err="1"/>
+              <a:t>first?next</a:t>
+            </a:r>
+            <a:r>
+              <a:rPr lang="en-US" dirty="0"/>
+              <a:t>? </a:t>
             </a:r>
           </a:p>
         </p:txBody>
@@ -6404,7 +7389,7 @@
     </p:spTree>
     <p:extLst>
       <p:ext uri="{BB962C8B-B14F-4D97-AF65-F5344CB8AC3E}">
-        <p14:creationId xmlns:p14="http://schemas.microsoft.com/office/powerpoint/2010/main" val="1437674044"/>
+        <p14:creationId xmlns:p14="http://schemas.microsoft.com/office/powerpoint/2010/main" val="10154464"/>
       </p:ext>
     </p:extLst>
   </p:cSld>
@@ -6451,7 +7436,7 @@
           <a:p>
             <a:r>
               <a:rPr lang="en-US" altLang="ko-KR" dirty="0"/>
-              <a:t>Process API</a:t>
+              <a:t>A Process</a:t>
             </a:r>
             <a:endParaRPr lang="ko-KR" altLang="en-US" dirty="0"/>
           </a:p>
@@ -6472,91 +7457,200 @@
           <a:bodyPr/>
           <a:lstStyle/>
           <a:p>
-            <a:r>
-              <a:rPr lang="en-US" altLang="ko-KR" dirty="0"/>
-              <a:t>These APIs are available on any modern OS.</a:t>
+            <a:endParaRPr lang="en-US" altLang="ko-KR" dirty="0"/>
+          </a:p>
+          <a:p>
+            <a:r>
+              <a:rPr lang="en-US" altLang="ko-KR" dirty="0"/>
+              <a:t>A</a:t>
+            </a:r>
+            <a:r>
+              <a:rPr lang="en-US" altLang="ko-KR" b="1" dirty="0"/>
+              <a:t> program</a:t>
+            </a:r>
+            <a:r>
+              <a:rPr lang="en-US" altLang="ko-KR" dirty="0"/>
+              <a:t> itself is “lifeless” – just sits on the disk as bunch of instructions (and some data) aka </a:t>
+            </a:r>
+            <a:r>
+              <a:rPr lang="en-US" altLang="ko-KR" b="1" dirty="0"/>
+              <a:t>program image </a:t>
+            </a:r>
+          </a:p>
+          <a:p>
+            <a:r>
+              <a:rPr lang="en-US" altLang="ko-KR" dirty="0"/>
+              <a:t>We can </a:t>
+            </a:r>
+            <a:r>
+              <a:rPr lang="en-US" altLang="ko-KR" b="1" dirty="0"/>
+              <a:t>characterize</a:t>
+            </a:r>
+            <a:r>
+              <a:rPr lang="en-US" altLang="ko-KR" dirty="0"/>
+              <a:t> a process by looking at the different data structures and systems resources it uses or accesses</a:t>
+            </a:r>
+          </a:p>
+          <a:p>
+            <a:r>
+              <a:rPr lang="en-US" altLang="ko-KR" dirty="0"/>
+              <a:t>What comprises a process?</a:t>
             </a:r>
           </a:p>
           <a:p>
             <a:pPr lvl="1"/>
             <a:r>
-              <a:rPr lang="en-US" altLang="ko-KR" b="1" dirty="0"/>
-              <a:t>Create</a:t>
+              <a:rPr lang="en-US" altLang="ko-KR" dirty="0"/>
+              <a:t>Memory (address space – range of addresses that a process can access)</a:t>
             </a:r>
           </a:p>
           <a:p>
             <a:pPr lvl="2"/>
             <a:r>
               <a:rPr lang="en-US" altLang="ko-KR" dirty="0"/>
-              <a:t>Create a new process to run a program</a:t>
+              <a:t>Instructions/Code</a:t>
+            </a:r>
+          </a:p>
+          <a:p>
+            <a:pPr lvl="2"/>
+            <a:r>
+              <a:rPr lang="en-US" altLang="ko-KR" dirty="0"/>
+              <a:t>Data</a:t>
             </a:r>
           </a:p>
           <a:p>
             <a:pPr lvl="1"/>
             <a:r>
-              <a:rPr lang="en-US" altLang="ko-KR" b="1" dirty="0"/>
-              <a:t>Destroy</a:t>
+              <a:rPr lang="en-US" altLang="ko-KR" dirty="0"/>
+              <a:t>Machine state (via Registers)</a:t>
             </a:r>
           </a:p>
           <a:p>
             <a:pPr lvl="2"/>
             <a:r>
               <a:rPr lang="en-US" altLang="ko-KR" dirty="0"/>
-              <a:t>Halt a runaway process</a:t>
+              <a:t>Program counter (Instruction pointer)</a:t>
+            </a:r>
+          </a:p>
+          <a:p>
+            <a:pPr lvl="2"/>
+            <a:r>
+              <a:rPr lang="en-US" altLang="ko-KR" dirty="0"/>
+              <a:t>Stack pointer</a:t>
+            </a:r>
+          </a:p>
+          <a:p>
+            <a:pPr lvl="2"/>
+            <a:r>
+              <a:rPr lang="en-US" altLang="ko-KR" dirty="0"/>
+              <a:t>Frame pointer</a:t>
             </a:r>
           </a:p>
           <a:p>
             <a:pPr lvl="1"/>
             <a:r>
-              <a:rPr lang="en-US" altLang="ko-KR" b="1" dirty="0"/>
-              <a:t>Wait</a:t>
-            </a:r>
-          </a:p>
-          <a:p>
-            <a:pPr lvl="2"/>
-            <a:r>
-              <a:rPr lang="en-US" altLang="ko-KR" dirty="0"/>
-              <a:t>Wait for a process to stop running</a:t>
+              <a:rPr lang="en-US" altLang="ko-KR" dirty="0"/>
+              <a:t>I/O information – list of open files</a:t>
             </a:r>
           </a:p>
           <a:p>
             <a:pPr lvl="1"/>
-            <a:r>
-              <a:rPr lang="en-US" altLang="ko-KR" b="1" dirty="0"/>
-              <a:t>Miscellaneous Control</a:t>
-            </a:r>
-          </a:p>
-          <a:p>
-            <a:pPr lvl="2"/>
-            <a:r>
-              <a:rPr lang="en-US" altLang="ko-KR" dirty="0"/>
-              <a:t>Some kind of method to suspend a process and then resume it</a:t>
-            </a:r>
+            <a:endParaRPr lang="en-US" altLang="ko-KR" dirty="0"/>
           </a:p>
           <a:p>
             <a:pPr lvl="1"/>
-            <a:r>
-              <a:rPr lang="en-US" altLang="ko-KR" b="1" dirty="0"/>
-              <a:t>Status</a:t>
-            </a:r>
-          </a:p>
-          <a:p>
-            <a:pPr lvl="2"/>
-            <a:r>
-              <a:rPr lang="en-US" altLang="ko-KR" dirty="0"/>
-              <a:t>Get some status info about a process</a:t>
-            </a:r>
+            <a:endParaRPr lang="en-US" altLang="ko-KR" dirty="0"/>
           </a:p>
           <a:p>
             <a:pPr lvl="1"/>
             <a:endParaRPr lang="ko-KR" altLang="en-US" dirty="0"/>
+          </a:p>
+        </p:txBody>
+      </p:sp>
+      <p:sp>
+        <p:nvSpPr>
+          <p:cNvPr id="6" name="모서리가 둥근 직사각형 5"/>
+          <p:cNvSpPr/>
+          <p:nvPr/>
+        </p:nvSpPr>
+        <p:spPr>
+          <a:xfrm>
+            <a:off x="3238464" y="692696"/>
+            <a:ext cx="5881872" cy="772838"/>
+          </a:xfrm>
+          <a:prstGeom prst="roundRect">
+            <a:avLst/>
+          </a:prstGeom>
+          <a:solidFill>
+            <a:srgbClr val="FFC000"/>
+          </a:solidFill>
+          <a:ln w="15875">
+            <a:solidFill>
+              <a:schemeClr val="accent6">
+                <a:lumMod val="50000"/>
+              </a:schemeClr>
+            </a:solidFill>
+          </a:ln>
+          <a:effectLst/>
+        </p:spPr>
+        <p:style>
+          <a:lnRef idx="3">
+            <a:schemeClr val="lt1"/>
+          </a:lnRef>
+          <a:fillRef idx="1">
+            <a:schemeClr val="accent1"/>
+          </a:fillRef>
+          <a:effectRef idx="1">
+            <a:schemeClr val="accent1"/>
+          </a:effectRef>
+          <a:fontRef idx="minor">
+            <a:schemeClr val="lt1"/>
+          </a:fontRef>
+        </p:style>
+        <p:txBody>
+          <a:bodyPr wrap="square" lIns="108000" rIns="108000" rtlCol="0" anchor="ctr">
+            <a:noAutofit/>
+          </a:bodyPr>
+          <a:lstStyle/>
+          <a:p>
+            <a:pPr algn="ctr"/>
+            <a:r>
+              <a:rPr lang="en-US" altLang="ko-KR" sz="2000" b="1" dirty="0">
+                <a:solidFill>
+                  <a:prstClr val="black"/>
+                </a:solidFill>
+                <a:latin typeface="맑은 고딕" panose="020B0503020000020004" pitchFamily="50" charset="-127"/>
+                <a:ea typeface="맑은 고딕" panose="020B0503020000020004" pitchFamily="50" charset="-127"/>
+              </a:rPr>
+              <a:t>A process is a </a:t>
+            </a:r>
+            <a:r>
+              <a:rPr lang="en-US" altLang="ko-KR" sz="2000" b="1" dirty="0">
+                <a:solidFill>
+                  <a:srgbClr val="FF0000"/>
+                </a:solidFill>
+                <a:latin typeface="맑은 고딕" panose="020B0503020000020004" pitchFamily="50" charset="-127"/>
+                <a:ea typeface="맑은 고딕" panose="020B0503020000020004" pitchFamily="50" charset="-127"/>
+              </a:rPr>
+              <a:t>running program</a:t>
+            </a:r>
+            <a:r>
+              <a:rPr lang="en-US" altLang="ko-KR" sz="2000" b="1" dirty="0">
+                <a:solidFill>
+                  <a:prstClr val="black"/>
+                </a:solidFill>
+                <a:latin typeface="맑은 고딕" panose="020B0503020000020004" pitchFamily="50" charset="-127"/>
+                <a:ea typeface="맑은 고딕" panose="020B0503020000020004" pitchFamily="50" charset="-127"/>
+              </a:rPr>
+              <a:t>.</a:t>
+            </a:r>
           </a:p>
         </p:txBody>
       </p:sp>
     </p:spTree>
     <p:extLst>
       <p:ext uri="{BB962C8B-B14F-4D97-AF65-F5344CB8AC3E}">
-        <p14:creationId xmlns:p14="http://schemas.microsoft.com/office/powerpoint/2010/main" val="2146866776"/>
+        <p14:creationId xmlns:p14="http://schemas.microsoft.com/office/powerpoint/2010/main" val="1437674044"/>
       </p:ext>
     </p:extLst>
   </p:cSld>
@@ -6603,7 +7697,7 @@
           <a:p>
             <a:r>
               <a:rPr lang="en-US" altLang="ko-KR" dirty="0"/>
-              <a:t>Process Creation</a:t>
+              <a:t>Process API</a:t>
             </a:r>
             <a:endParaRPr lang="ko-KR" altLang="en-US" dirty="0"/>
           </a:p>
@@ -6624,180 +7718,188 @@
           <a:bodyPr/>
           <a:lstStyle/>
           <a:p>
-            <a:pPr marL="457200" indent="-457200">
-              <a:buFont typeface="+mj-lt"/>
-              <a:buAutoNum type="arabicPeriod"/>
-            </a:pPr>
+            <a:r>
+              <a:rPr lang="en-US" altLang="ko-KR" dirty="0"/>
+              <a:t>These APIs are available on any modern OS</a:t>
+            </a:r>
+          </a:p>
+          <a:p>
+            <a:pPr lvl="1"/>
             <a:r>
               <a:rPr lang="en-US" altLang="ko-KR" b="1" dirty="0"/>
-              <a:t>Load</a:t>
-            </a:r>
-            <a:r>
-              <a:rPr lang="en-US" altLang="ko-KR" dirty="0"/>
-              <a:t> a program code into </a:t>
-            </a:r>
-            <a:r>
-              <a:rPr lang="en-US" altLang="ko-KR" u="sng" dirty="0"/>
-              <a:t>memory</a:t>
-            </a:r>
-            <a:r>
-              <a:rPr lang="en-US" altLang="ko-KR" dirty="0"/>
-              <a:t>, into the address space of the process.</a:t>
+              <a:t>Create</a:t>
+            </a:r>
+          </a:p>
+          <a:p>
+            <a:pPr lvl="2"/>
+            <a:r>
+              <a:rPr lang="en-US" altLang="ko-KR" dirty="0"/>
+              <a:t>Create a new process to run a program – </a:t>
+            </a:r>
+            <a:r>
+              <a:rPr lang="en-US" altLang="ko-KR" dirty="0">
+                <a:latin typeface="Courier New" panose="02070309020205020404" pitchFamily="49" charset="0"/>
+                <a:cs typeface="Courier New" panose="02070309020205020404" pitchFamily="49" charset="0"/>
+              </a:rPr>
+              <a:t>fork(), exec()</a:t>
             </a:r>
           </a:p>
           <a:p>
             <a:pPr lvl="1"/>
             <a:r>
-              <a:rPr lang="en-US" altLang="ko-KR" dirty="0"/>
-              <a:t>Programs initially reside on disk in </a:t>
-            </a:r>
-            <a:r>
-              <a:rPr lang="en-US" altLang="ko-KR" i="1" dirty="0"/>
-              <a:t>executable format</a:t>
-            </a:r>
-            <a:r>
-              <a:rPr lang="en-US" altLang="ko-KR" dirty="0"/>
-              <a:t>.</a:t>
+              <a:rPr lang="en-US" altLang="ko-KR" b="1" dirty="0"/>
+              <a:t>Destroy</a:t>
+            </a:r>
+          </a:p>
+          <a:p>
+            <a:pPr lvl="2"/>
+            <a:r>
+              <a:rPr lang="en-US" altLang="ko-KR" dirty="0"/>
+              <a:t>Halt a runaway process – </a:t>
+            </a:r>
+            <a:r>
+              <a:rPr lang="en-US" altLang="ko-KR" dirty="0">
+                <a:latin typeface="Courier New" panose="02070309020205020404" pitchFamily="49" charset="0"/>
+                <a:cs typeface="Courier New" panose="02070309020205020404" pitchFamily="49" charset="0"/>
+              </a:rPr>
+              <a:t>kill(</a:t>
+            </a:r>
+            <a:r>
+              <a:rPr lang="en-US" altLang="ko-KR" dirty="0" err="1">
+                <a:latin typeface="Courier New" panose="02070309020205020404" pitchFamily="49" charset="0"/>
+                <a:cs typeface="Courier New" panose="02070309020205020404" pitchFamily="49" charset="0"/>
+              </a:rPr>
+              <a:t>pid</a:t>
+            </a:r>
+            <a:r>
+              <a:rPr lang="en-US" altLang="ko-KR" dirty="0">
+                <a:latin typeface="Courier New" panose="02070309020205020404" pitchFamily="49" charset="0"/>
+                <a:cs typeface="Courier New" panose="02070309020205020404" pitchFamily="49" charset="0"/>
+              </a:rPr>
+              <a:t>, SIGTERM)</a:t>
             </a:r>
           </a:p>
           <a:p>
             <a:pPr lvl="1"/>
             <a:r>
-              <a:rPr lang="en-US" altLang="ko-KR" dirty="0"/>
-              <a:t>OS perform the loading process </a:t>
+              <a:rPr lang="en-US" altLang="ko-KR" b="1" dirty="0"/>
+              <a:t>Wait</a:t>
+            </a:r>
+          </a:p>
+          <a:p>
+            <a:pPr lvl="2"/>
+            <a:r>
+              <a:rPr lang="en-US" altLang="ko-KR" dirty="0"/>
+              <a:t>Wait for a process to stop running – </a:t>
             </a:r>
             <a:r>
               <a:rPr lang="en-US" altLang="ko-KR" dirty="0">
-                <a:solidFill>
-                  <a:schemeClr val="accent6">
-                    <a:lumMod val="75000"/>
-                  </a:schemeClr>
-                </a:solidFill>
-              </a:rPr>
-              <a:t>lazily</a:t>
-            </a:r>
-            <a:r>
-              <a:rPr lang="en-US" altLang="ko-KR" dirty="0"/>
-              <a:t>.</a:t>
+                <a:latin typeface="Courier New" panose="02070309020205020404" pitchFamily="49" charset="0"/>
+                <a:cs typeface="Courier New" panose="02070309020205020404" pitchFamily="49" charset="0"/>
+              </a:rPr>
+              <a:t>wait(</a:t>
+            </a:r>
+            <a:r>
+              <a:rPr lang="en-US" altLang="ko-KR" dirty="0" err="1">
+                <a:latin typeface="Courier New" panose="02070309020205020404" pitchFamily="49" charset="0"/>
+                <a:cs typeface="Courier New" panose="02070309020205020404" pitchFamily="49" charset="0"/>
+              </a:rPr>
+              <a:t>pid</a:t>
+            </a:r>
+            <a:r>
+              <a:rPr lang="en-US" altLang="ko-KR" dirty="0">
+                <a:latin typeface="Courier New" panose="02070309020205020404" pitchFamily="49" charset="0"/>
+                <a:cs typeface="Courier New" panose="02070309020205020404" pitchFamily="49" charset="0"/>
+              </a:rPr>
+              <a:t>)</a:t>
+            </a:r>
+          </a:p>
+          <a:p>
+            <a:pPr lvl="1"/>
+            <a:r>
+              <a:rPr lang="en-US" altLang="ko-KR" b="1" dirty="0"/>
+              <a:t>Miscellaneous Control</a:t>
             </a:r>
           </a:p>
           <a:p>
             <a:pPr lvl="2"/>
             <a:r>
               <a:rPr lang="en-US" altLang="ko-KR" dirty="0"/>
-              <a:t>Loading pieces of code or data only as they are needed during program execution.</a:t>
+              <a:t>Some kind of method to suspend a process and then resume it – </a:t>
+            </a:r>
+            <a:r>
+              <a:rPr lang="en-US" altLang="ko-KR" dirty="0">
+                <a:latin typeface="Courier New" panose="02070309020205020404" pitchFamily="49" charset="0"/>
+                <a:cs typeface="Courier New" panose="02070309020205020404" pitchFamily="49" charset="0"/>
+              </a:rPr>
+              <a:t>kill(</a:t>
+            </a:r>
+            <a:r>
+              <a:rPr lang="en-US" altLang="ko-KR" dirty="0" err="1">
+                <a:latin typeface="Courier New" panose="02070309020205020404" pitchFamily="49" charset="0"/>
+                <a:cs typeface="Courier New" panose="02070309020205020404" pitchFamily="49" charset="0"/>
+              </a:rPr>
+              <a:t>pid</a:t>
+            </a:r>
+            <a:r>
+              <a:rPr lang="en-US" altLang="ko-KR" dirty="0">
+                <a:latin typeface="Courier New" panose="02070309020205020404" pitchFamily="49" charset="0"/>
+                <a:cs typeface="Courier New" panose="02070309020205020404" pitchFamily="49" charset="0"/>
+              </a:rPr>
+              <a:t>, SIGSTOP), kill(</a:t>
+            </a:r>
+            <a:r>
+              <a:rPr lang="en-US" altLang="ko-KR" dirty="0" err="1">
+                <a:latin typeface="Courier New" panose="02070309020205020404" pitchFamily="49" charset="0"/>
+                <a:cs typeface="Courier New" panose="02070309020205020404" pitchFamily="49" charset="0"/>
+              </a:rPr>
+              <a:t>pid</a:t>
+            </a:r>
+            <a:r>
+              <a:rPr lang="en-US" altLang="ko-KR" dirty="0">
+                <a:latin typeface="Courier New" panose="02070309020205020404" pitchFamily="49" charset="0"/>
+                <a:cs typeface="Courier New" panose="02070309020205020404" pitchFamily="49" charset="0"/>
+              </a:rPr>
+              <a:t>, SIGCONT)</a:t>
+            </a:r>
+          </a:p>
+          <a:p>
+            <a:pPr lvl="1"/>
+            <a:r>
+              <a:rPr lang="en-US" altLang="ko-KR" b="1" dirty="0"/>
+              <a:t>Status</a:t>
             </a:r>
           </a:p>
           <a:p>
             <a:pPr lvl="2"/>
-            <a:endParaRPr lang="en-US" altLang="ko-KR" dirty="0"/>
-          </a:p>
-          <a:p>
-            <a:pPr marL="457200" indent="-457200">
-              <a:buFont typeface="+mj-lt"/>
-              <a:buAutoNum type="arabicPeriod"/>
-            </a:pPr>
-            <a:r>
-              <a:rPr lang="en-US" altLang="ko-KR" dirty="0"/>
-              <a:t>The program’s run-time </a:t>
-            </a:r>
-            <a:r>
-              <a:rPr lang="en-US" altLang="ko-KR" b="1" dirty="0"/>
-              <a:t>stack</a:t>
-            </a:r>
-            <a:r>
-              <a:rPr lang="en-US" altLang="ko-KR" dirty="0"/>
-              <a:t> is allocated.</a:t>
+            <a:r>
+              <a:rPr lang="en-US" altLang="ko-KR" dirty="0"/>
+              <a:t>Get some status info about a process – </a:t>
+            </a:r>
+            <a:r>
+              <a:rPr lang="en-US" altLang="ko-KR" dirty="0">
+                <a:latin typeface="Courier New" panose="02070309020205020404" pitchFamily="49" charset="0"/>
+                <a:cs typeface="Courier New" panose="02070309020205020404" pitchFamily="49" charset="0"/>
+              </a:rPr>
+              <a:t>cat /proc/</a:t>
+            </a:r>
+            <a:r>
+              <a:rPr lang="en-US" altLang="ko-KR" dirty="0" err="1">
+                <a:latin typeface="Courier New" panose="02070309020205020404" pitchFamily="49" charset="0"/>
+                <a:cs typeface="Courier New" panose="02070309020205020404" pitchFamily="49" charset="0"/>
+              </a:rPr>
+              <a:t>pid</a:t>
+            </a:r>
+            <a:r>
+              <a:rPr lang="en-US" altLang="ko-KR" dirty="0">
+                <a:latin typeface="Courier New" panose="02070309020205020404" pitchFamily="49" charset="0"/>
+                <a:cs typeface="Courier New" panose="02070309020205020404" pitchFamily="49" charset="0"/>
+              </a:rPr>
+              <a:t>/status</a:t>
             </a:r>
           </a:p>
           <a:p>
             <a:pPr lvl="1"/>
-            <a:r>
-              <a:rPr lang="en-US" altLang="ko-KR" dirty="0"/>
-              <a:t>Use the stack for </a:t>
-            </a:r>
-            <a:r>
-              <a:rPr lang="en-US" altLang="ko-KR" i="1" dirty="0"/>
-              <a:t>local variables</a:t>
-            </a:r>
-            <a:r>
-              <a:rPr lang="en-US" altLang="ko-KR" dirty="0"/>
-              <a:t>, </a:t>
-            </a:r>
-            <a:r>
-              <a:rPr lang="en-US" altLang="ko-KR" i="1" dirty="0"/>
-              <a:t>function parameters</a:t>
-            </a:r>
-            <a:r>
-              <a:rPr lang="en-US" altLang="ko-KR" dirty="0"/>
-              <a:t>, and </a:t>
-            </a:r>
-            <a:r>
-              <a:rPr lang="en-US" altLang="ko-KR" i="1" dirty="0"/>
-              <a:t>return address</a:t>
-            </a:r>
-            <a:r>
-              <a:rPr lang="en-US" altLang="ko-KR" dirty="0"/>
-              <a:t>.</a:t>
-            </a:r>
-          </a:p>
-          <a:p>
-            <a:pPr lvl="1"/>
-            <a:r>
-              <a:rPr lang="en-US" altLang="ko-KR" dirty="0"/>
-              <a:t>Initialize the stack with arguments </a:t>
-            </a:r>
-            <a:r>
-              <a:rPr lang="en-US" altLang="ko-KR" dirty="0">
-                <a:sym typeface="Wingdings" pitchFamily="2" charset="2"/>
-              </a:rPr>
-              <a:t> </a:t>
-            </a:r>
-            <a:r>
-              <a:rPr lang="en-US" altLang="ko-KR" dirty="0" err="1">
-                <a:latin typeface="Courier New" pitchFamily="49" charset="0"/>
-                <a:cs typeface="Courier New" pitchFamily="49" charset="0"/>
-                <a:sym typeface="Wingdings" pitchFamily="2" charset="2"/>
-              </a:rPr>
-              <a:t>argc</a:t>
-            </a:r>
-            <a:r>
-              <a:rPr lang="en-US" altLang="ko-KR" dirty="0">
-                <a:sym typeface="Wingdings" pitchFamily="2" charset="2"/>
-              </a:rPr>
-              <a:t> and the </a:t>
-            </a:r>
-            <a:r>
-              <a:rPr lang="en-US" altLang="ko-KR" dirty="0" err="1">
-                <a:latin typeface="Courier New" pitchFamily="49" charset="0"/>
-                <a:cs typeface="Courier New" pitchFamily="49" charset="0"/>
-                <a:sym typeface="Wingdings" pitchFamily="2" charset="2"/>
-              </a:rPr>
-              <a:t>argv</a:t>
-            </a:r>
-            <a:r>
-              <a:rPr lang="en-US" altLang="ko-KR" dirty="0">
-                <a:sym typeface="Wingdings" pitchFamily="2" charset="2"/>
-              </a:rPr>
-              <a:t> array of </a:t>
-            </a:r>
-            <a:r>
-              <a:rPr lang="en-US" altLang="ko-KR" dirty="0">
-                <a:latin typeface="Courier New" pitchFamily="49" charset="0"/>
-                <a:cs typeface="Courier New" pitchFamily="49" charset="0"/>
-                <a:sym typeface="Wingdings" pitchFamily="2" charset="2"/>
-              </a:rPr>
-              <a:t>main() </a:t>
-            </a:r>
-            <a:r>
-              <a:rPr lang="en-US" altLang="ko-KR" dirty="0">
-                <a:sym typeface="Wingdings" pitchFamily="2" charset="2"/>
-              </a:rPr>
-              <a:t>function</a:t>
-            </a:r>
-            <a:endParaRPr lang="en-US" altLang="ko-KR" dirty="0"/>
-          </a:p>
-          <a:p>
             <a:endParaRPr lang="ko-KR" altLang="en-US" dirty="0"/>
           </a:p>
         </p:txBody>
@@ -6805,7 +7907,7 @@
     </p:spTree>
     <p:extLst>
       <p:ext uri="{BB962C8B-B14F-4D97-AF65-F5344CB8AC3E}">
-        <p14:creationId xmlns:p14="http://schemas.microsoft.com/office/powerpoint/2010/main" val="3697255188"/>
+        <p14:creationId xmlns:p14="http://schemas.microsoft.com/office/powerpoint/2010/main" val="2146866776"/>
       </p:ext>
     </p:extLst>
   </p:cSld>
@@ -6852,7 +7954,7 @@
           <a:p>
             <a:r>
               <a:rPr lang="en-US" altLang="ko-KR" dirty="0"/>
-              <a:t>Process Creation (Cont.)</a:t>
+              <a:t>Process Creation</a:t>
             </a:r>
             <a:endParaRPr lang="ko-KR" altLang="en-US" dirty="0"/>
           </a:p>
@@ -6875,58 +7977,63 @@
           <a:p>
             <a:pPr marL="457200" indent="-457200">
               <a:buFont typeface="+mj-lt"/>
-              <a:buAutoNum type="arabicPeriod" startAt="3"/>
+              <a:buAutoNum type="arabicPeriod"/>
             </a:pPr>
             <a:r>
-              <a:rPr lang="en-US" altLang="ko-KR" dirty="0"/>
-              <a:t>The program’s </a:t>
-            </a:r>
-            <a:r>
               <a:rPr lang="en-US" altLang="ko-KR" b="1" dirty="0"/>
-              <a:t>heap</a:t>
-            </a:r>
-            <a:r>
-              <a:rPr lang="en-US" altLang="ko-KR" dirty="0"/>
-              <a:t> is created.</a:t>
+              <a:t>Load</a:t>
+            </a:r>
+            <a:r>
+              <a:rPr lang="en-US" altLang="ko-KR" dirty="0"/>
+              <a:t> a program code(and </a:t>
+            </a:r>
+            <a:r>
+              <a:rPr lang="en-US" altLang="ko-KR" dirty="0" err="1"/>
+              <a:t>statc</a:t>
+            </a:r>
+            <a:r>
+              <a:rPr lang="en-US" altLang="ko-KR" dirty="0"/>
+              <a:t> data) into </a:t>
+            </a:r>
+            <a:r>
+              <a:rPr lang="en-US" altLang="ko-KR" u="sng" dirty="0"/>
+              <a:t>memory</a:t>
+            </a:r>
+            <a:r>
+              <a:rPr lang="en-US" altLang="ko-KR" dirty="0"/>
+              <a:t>, into the address space of the process.</a:t>
             </a:r>
           </a:p>
           <a:p>
             <a:pPr lvl="1"/>
             <a:r>
               <a:rPr lang="en-US" altLang="ko-KR" dirty="0"/>
-              <a:t>Used for explicitly requested dynamically allocated data.</a:t>
+              <a:t>Programs initially reside on disk in </a:t>
+            </a:r>
+            <a:r>
+              <a:rPr lang="en-US" altLang="ko-KR" i="1" dirty="0"/>
+              <a:t>executable format</a:t>
+            </a:r>
+            <a:r>
+              <a:rPr lang="en-US" altLang="ko-KR" dirty="0"/>
+              <a:t>. (ELF, PE)</a:t>
             </a:r>
           </a:p>
           <a:p>
             <a:pPr lvl="1"/>
             <a:r>
               <a:rPr lang="en-US" altLang="ko-KR" dirty="0"/>
-              <a:t>Program request such space by calling </a:t>
-            </a:r>
-            <a:r>
-              <a:rPr lang="en-US" altLang="ko-KR" dirty="0" err="1">
-                <a:latin typeface="Courier New" pitchFamily="49" charset="0"/>
-                <a:cs typeface="Courier New" pitchFamily="49" charset="0"/>
-              </a:rPr>
-              <a:t>malloc</a:t>
+              <a:t>OS perform the loading process </a:t>
             </a:r>
             <a:r>
               <a:rPr lang="en-US" altLang="ko-KR" dirty="0">
-                <a:latin typeface="Courier New" pitchFamily="49" charset="0"/>
-                <a:cs typeface="Courier New" pitchFamily="49" charset="0"/>
-              </a:rPr>
-              <a:t>() </a:t>
-            </a:r>
-            <a:r>
-              <a:rPr lang="en-US" altLang="ko-KR" dirty="0"/>
-              <a:t>and free it by calling </a:t>
-            </a:r>
-            <a:r>
-              <a:rPr lang="en-US" altLang="ko-KR" dirty="0">
-                <a:latin typeface="Courier New" pitchFamily="49" charset="0"/>
-                <a:cs typeface="Courier New" pitchFamily="49" charset="0"/>
-              </a:rPr>
-              <a:t>free()</a:t>
+                <a:solidFill>
+                  <a:schemeClr val="accent6">
+                    <a:lumMod val="75000"/>
+                  </a:schemeClr>
+                </a:solidFill>
+              </a:rPr>
+              <a:t>lazily</a:t>
             </a:r>
             <a:r>
               <a:rPr lang="en-US" altLang="ko-KR" dirty="0"/>
@@ -6934,83 +8041,122 @@
             </a:r>
           </a:p>
           <a:p>
-            <a:pPr lvl="1"/>
+            <a:pPr lvl="2"/>
+            <a:r>
+              <a:rPr lang="en-US" altLang="ko-KR" dirty="0"/>
+              <a:t>Loading pieces of code or data only as they are needed during program execution. (some programs a big)</a:t>
+            </a:r>
+          </a:p>
+          <a:p>
+            <a:pPr lvl="2"/>
             <a:endParaRPr lang="en-US" altLang="ko-KR" dirty="0"/>
           </a:p>
           <a:p>
             <a:pPr marL="457200" indent="-457200">
               <a:buFont typeface="+mj-lt"/>
-              <a:buAutoNum type="arabicPeriod" startAt="4"/>
+              <a:buAutoNum type="arabicPeriod"/>
             </a:pPr>
             <a:r>
               <a:rPr lang="en-US" altLang="ko-KR" dirty="0"/>
-              <a:t>The OS do some other initialization tasks.</a:t>
+              <a:t>The program’s run-time </a:t>
+            </a:r>
+            <a:r>
+              <a:rPr lang="en-US" altLang="ko-KR" b="1" dirty="0"/>
+              <a:t>stack</a:t>
+            </a:r>
+            <a:r>
+              <a:rPr lang="en-US" altLang="ko-KR" dirty="0"/>
+              <a:t> is allocated.</a:t>
             </a:r>
           </a:p>
           <a:p>
             <a:pPr lvl="1"/>
             <a:r>
               <a:rPr lang="en-US" altLang="ko-KR" dirty="0"/>
-              <a:t>input/output (I/O) setup</a:t>
-            </a:r>
-          </a:p>
-          <a:p>
-            <a:pPr lvl="2"/>
-            <a:r>
-              <a:rPr lang="en-US" altLang="ko-KR" dirty="0"/>
-              <a:t>Each process by default has three open file descriptors.</a:t>
-            </a:r>
-          </a:p>
-          <a:p>
-            <a:pPr lvl="2"/>
-            <a:r>
-              <a:rPr lang="en-US" altLang="ko-KR" dirty="0"/>
-              <a:t>Standard input, output and error</a:t>
-            </a:r>
-          </a:p>
-          <a:p>
-            <a:pPr lvl="2"/>
+              <a:t>Use the stack for </a:t>
+            </a:r>
+            <a:r>
+              <a:rPr lang="en-US" altLang="ko-KR" i="1" dirty="0"/>
+              <a:t>local variables</a:t>
+            </a:r>
+            <a:r>
+              <a:rPr lang="en-US" altLang="ko-KR" dirty="0"/>
+              <a:t>, </a:t>
+            </a:r>
+            <a:r>
+              <a:rPr lang="en-US" altLang="ko-KR" i="1" dirty="0"/>
+              <a:t>function parameters</a:t>
+            </a:r>
+            <a:r>
+              <a:rPr lang="en-US" altLang="ko-KR" dirty="0"/>
+              <a:t>, and </a:t>
+            </a:r>
+            <a:r>
+              <a:rPr lang="en-US" altLang="ko-KR" i="1" dirty="0"/>
+              <a:t>return address</a:t>
+            </a:r>
+            <a:r>
+              <a:rPr lang="en-US" altLang="ko-KR" dirty="0"/>
+              <a:t>.</a:t>
+            </a:r>
+          </a:p>
+          <a:p>
+            <a:pPr lvl="1"/>
+            <a:r>
+              <a:rPr lang="en-US" altLang="ko-KR" dirty="0"/>
+              <a:t>Initialize the stack with arguments </a:t>
+            </a:r>
+            <a:r>
+              <a:rPr lang="en-US" altLang="ko-KR" dirty="0">
+                <a:sym typeface="Wingdings" pitchFamily="2" charset="2"/>
+              </a:rPr>
+              <a:t> </a:t>
+            </a:r>
+            <a:r>
+              <a:rPr lang="en-US" altLang="ko-KR" dirty="0" err="1">
+                <a:latin typeface="Courier New" pitchFamily="49" charset="0"/>
+                <a:cs typeface="Courier New" pitchFamily="49" charset="0"/>
+                <a:sym typeface="Wingdings" pitchFamily="2" charset="2"/>
+              </a:rPr>
+              <a:t>argc</a:t>
+            </a:r>
+            <a:r>
+              <a:rPr lang="en-US" altLang="ko-KR" dirty="0">
+                <a:sym typeface="Wingdings" pitchFamily="2" charset="2"/>
+              </a:rPr>
+              <a:t> and the </a:t>
+            </a:r>
+            <a:r>
+              <a:rPr lang="en-US" altLang="ko-KR" dirty="0" err="1">
+                <a:latin typeface="Courier New" pitchFamily="49" charset="0"/>
+                <a:cs typeface="Courier New" pitchFamily="49" charset="0"/>
+                <a:sym typeface="Wingdings" pitchFamily="2" charset="2"/>
+              </a:rPr>
+              <a:t>argv</a:t>
+            </a:r>
+            <a:r>
+              <a:rPr lang="en-US" altLang="ko-KR" dirty="0">
+                <a:sym typeface="Wingdings" pitchFamily="2" charset="2"/>
+              </a:rPr>
+              <a:t> array of </a:t>
+            </a:r>
+            <a:r>
+              <a:rPr lang="en-US" altLang="ko-KR" dirty="0">
+                <a:latin typeface="Courier New" pitchFamily="49" charset="0"/>
+                <a:cs typeface="Courier New" pitchFamily="49" charset="0"/>
+                <a:sym typeface="Wingdings" pitchFamily="2" charset="2"/>
+              </a:rPr>
+              <a:t>main() </a:t>
+            </a:r>
+            <a:r>
+              <a:rPr lang="en-US" altLang="ko-KR" dirty="0">
+                <a:sym typeface="Wingdings" pitchFamily="2" charset="2"/>
+              </a:rPr>
+              <a:t>function</a:t>
+            </a:r>
             <a:endParaRPr lang="en-US" altLang="ko-KR" dirty="0"/>
           </a:p>
           <a:p>
-            <a:pPr marL="457200" indent="-457200">
-              <a:buFont typeface="+mj-lt"/>
-              <a:buAutoNum type="arabicPeriod" startAt="4"/>
-            </a:pPr>
-            <a:r>
-              <a:rPr lang="en-US" altLang="ko-KR" b="1" dirty="0"/>
-              <a:t>Start the program </a:t>
-            </a:r>
-            <a:r>
-              <a:rPr lang="en-US" altLang="ko-KR" dirty="0"/>
-              <a:t>running at the entry point, namely </a:t>
-            </a:r>
-            <a:r>
-              <a:rPr lang="en-US" altLang="ko-KR" dirty="0">
-                <a:latin typeface="Courier New" pitchFamily="49" charset="0"/>
-                <a:cs typeface="Courier New" pitchFamily="49" charset="0"/>
-              </a:rPr>
-              <a:t>main()</a:t>
-            </a:r>
-            <a:r>
-              <a:rPr lang="en-US" altLang="ko-KR" dirty="0"/>
-              <a:t>.</a:t>
-            </a:r>
-          </a:p>
-          <a:p>
-            <a:pPr lvl="1"/>
-            <a:r>
-              <a:rPr lang="en-US" altLang="ko-KR" dirty="0"/>
-              <a:t>The OS </a:t>
-            </a:r>
-            <a:r>
-              <a:rPr lang="en-US" altLang="ko-KR" i="1" dirty="0"/>
-              <a:t>transfers control </a:t>
-            </a:r>
-            <a:r>
-              <a:rPr lang="en-US" altLang="ko-KR" dirty="0"/>
-              <a:t>of the CPU to the newly-created process.</a:t>
-            </a:r>
             <a:endParaRPr lang="ko-KR" altLang="en-US" dirty="0"/>
           </a:p>
         </p:txBody>
@@ -7018,7 +8164,7 @@
     </p:spTree>
     <p:extLst>
       <p:ext uri="{BB962C8B-B14F-4D97-AF65-F5344CB8AC3E}">
-        <p14:creationId xmlns:p14="http://schemas.microsoft.com/office/powerpoint/2010/main" val="3132999154"/>
+        <p14:creationId xmlns:p14="http://schemas.microsoft.com/office/powerpoint/2010/main" val="3697255188"/>
       </p:ext>
     </p:extLst>
   </p:cSld>

--- a/cmsc125/ostep/slides/01.Virtualization/04.The_abstraction_the_process.pptx
+++ b/cmsc125/ostep/slides/01.Virtualization/04.The_abstraction_the_process.pptx
@@ -255,7 +255,7 @@
           <a:p>
             <a:fld id="{050F0499-AE52-4672-879B-3107B2FC2A9F}" type="datetimeFigureOut">
               <a:rPr lang="ko-KR" altLang="en-US" smtClean="0"/>
-              <a:t>2021-08-11</a:t>
+              <a:t>2021-08-13</a:t>
             </a:fld>
             <a:endParaRPr lang="ko-KR" altLang="en-US"/>
           </a:p>
@@ -2183,7 +2183,15 @@
             </a:r>
             <a:r>
               <a:rPr lang="en-US" altLang="ko-KR" dirty="0"/>
-              <a:t> is created.</a:t>
+              <a:t> is created (usually done </a:t>
+            </a:r>
+            <a:r>
+              <a:rPr lang="en-US" altLang="ko-KR" u="sng" dirty="0"/>
+              <a:t>lazily</a:t>
+            </a:r>
+            <a:r>
+              <a:rPr lang="en-US" altLang="ko-KR" dirty="0"/>
+              <a:t>).</a:t>
             </a:r>
           </a:p>
           <a:p>
@@ -2240,7 +2248,7 @@
             </a:pPr>
             <a:r>
               <a:rPr lang="en-US" altLang="ko-KR" dirty="0"/>
-              <a:t>The OS do some other initialization tasks.</a:t>
+              <a:t>The OS does some other initialization tasks.</a:t>
             </a:r>
           </a:p>
           <a:p>
@@ -2261,7 +2269,40 @@
             <a:pPr lvl="2"/>
             <a:r>
               <a:rPr lang="en-US" altLang="ko-KR" dirty="0"/>
-              <a:t>Standard input (STDIN), standard output(STDOUT), and standard error(STDERR)</a:t>
+              <a:t>Standard input (</a:t>
+            </a:r>
+            <a:r>
+              <a:rPr lang="en-US" altLang="ko-KR" dirty="0">
+                <a:latin typeface="Courier New" panose="02070309020205020404" pitchFamily="49" charset="0"/>
+                <a:cs typeface="Courier New" panose="02070309020205020404" pitchFamily="49" charset="0"/>
+              </a:rPr>
+              <a:t>STDIN=0</a:t>
+            </a:r>
+            <a:r>
+              <a:rPr lang="en-US" altLang="ko-KR" dirty="0"/>
+              <a:t>), standard output(</a:t>
+            </a:r>
+            <a:r>
+              <a:rPr lang="en-US" altLang="ko-KR" dirty="0">
+                <a:latin typeface="Courier New" panose="02070309020205020404" pitchFamily="49" charset="0"/>
+                <a:cs typeface="Courier New" panose="02070309020205020404" pitchFamily="49" charset="0"/>
+              </a:rPr>
+              <a:t>STDOUT=1</a:t>
+            </a:r>
+            <a:r>
+              <a:rPr lang="en-US" altLang="ko-KR" dirty="0"/>
+              <a:t>), and standard error(</a:t>
+            </a:r>
+            <a:r>
+              <a:rPr lang="en-US" altLang="ko-KR" dirty="0">
+                <a:latin typeface="Courier New" panose="02070309020205020404" pitchFamily="49" charset="0"/>
+                <a:cs typeface="Courier New" panose="02070309020205020404" pitchFamily="49" charset="0"/>
+              </a:rPr>
+              <a:t>STDERR=2</a:t>
+            </a:r>
+            <a:r>
+              <a:rPr lang="en-US" altLang="ko-KR" dirty="0"/>
+              <a:t>)</a:t>
             </a:r>
           </a:p>
           <a:p>
@@ -3477,7 +3518,7 @@
           <a:p>
             <a:r>
               <a:rPr lang="en-US" altLang="ko-KR" dirty="0"/>
-              <a:t>Process State Transition</a:t>
+              <a:t>Process State Transitions</a:t>
             </a:r>
             <a:endParaRPr lang="ko-KR" altLang="en-US" dirty="0"/>
           </a:p>
@@ -4327,6 +4368,129 @@
           </a:prstGeom>
         </p:spPr>
       </p:pic>
+      <p:sp>
+        <p:nvSpPr>
+          <p:cNvPr id="2" name="Arrow: Right 1">
+            <a:extLst>
+              <a:ext uri="{FF2B5EF4-FFF2-40B4-BE49-F238E27FC236}">
+                <a16:creationId xmlns:a16="http://schemas.microsoft.com/office/drawing/2014/main" id="{2180A1B4-9657-4B1A-B83E-D842CBA624F4}"/>
+              </a:ext>
+            </a:extLst>
+          </p:cNvPr>
+          <p:cNvSpPr/>
+          <p:nvPr/>
+        </p:nvSpPr>
+        <p:spPr>
+          <a:xfrm>
+            <a:off x="2135560" y="4077072"/>
+            <a:ext cx="1087408" cy="216024"/>
+          </a:xfrm>
+          <a:prstGeom prst="rightArrow">
+            <a:avLst/>
+          </a:prstGeom>
+          <a:solidFill>
+            <a:schemeClr val="bg1"/>
+          </a:solidFill>
+          <a:ln w="9525">
+            <a:solidFill>
+              <a:schemeClr val="tx1"/>
+            </a:solidFill>
+          </a:ln>
+        </p:spPr>
+        <p:style>
+          <a:lnRef idx="3">
+            <a:schemeClr val="lt1"/>
+          </a:lnRef>
+          <a:fillRef idx="1">
+            <a:schemeClr val="accent1"/>
+          </a:fillRef>
+          <a:effectRef idx="1">
+            <a:schemeClr val="accent1"/>
+          </a:effectRef>
+          <a:fontRef idx="minor">
+            <a:schemeClr val="lt1"/>
+          </a:fontRef>
+        </p:style>
+        <p:txBody>
+          <a:bodyPr lIns="252000" rtlCol="0" anchor="ctr"/>
+          <a:lstStyle/>
+          <a:p>
+            <a:pPr algn="ctr"/>
+            <a:endParaRPr lang="en-PH" sz="1600" dirty="0">
+              <a:solidFill>
+                <a:srgbClr val="00B050"/>
+              </a:solidFill>
+              <a:latin typeface="Courier New" pitchFamily="49" charset="0"/>
+              <a:ea typeface="맑은 고딕" pitchFamily="50" charset="-127"/>
+              <a:cs typeface="Courier New" pitchFamily="49" charset="0"/>
+            </a:endParaRPr>
+          </a:p>
+        </p:txBody>
+      </p:sp>
+      <p:sp>
+        <p:nvSpPr>
+          <p:cNvPr id="6" name="TextBox 5">
+            <a:extLst>
+              <a:ext uri="{FF2B5EF4-FFF2-40B4-BE49-F238E27FC236}">
+                <a16:creationId xmlns:a16="http://schemas.microsoft.com/office/drawing/2014/main" id="{4D04151A-D367-40AF-91D6-F51B5D2585B6}"/>
+              </a:ext>
+            </a:extLst>
+          </p:cNvPr>
+          <p:cNvSpPr txBox="1"/>
+          <p:nvPr/>
+        </p:nvSpPr>
+        <p:spPr>
+          <a:xfrm>
+            <a:off x="264308" y="3753906"/>
+            <a:ext cx="2425873" cy="646331"/>
+          </a:xfrm>
+          <a:prstGeom prst="rect">
+            <a:avLst/>
+          </a:prstGeom>
+          <a:noFill/>
+        </p:spPr>
+        <p:txBody>
+          <a:bodyPr wrap="square" rtlCol="0">
+            <a:spAutoFit/>
+          </a:bodyPr>
+          <a:lstStyle/>
+          <a:p>
+            <a:r>
+              <a:rPr lang="en-PH" dirty="0">
+                <a:solidFill>
+                  <a:schemeClr val="accent6">
+                    <a:lumMod val="75000"/>
+                  </a:schemeClr>
+                </a:solidFill>
+                <a:latin typeface="Oswald" pitchFamily="2" charset="0"/>
+              </a:rPr>
+              <a:t>At this point, Process</a:t>
+            </a:r>
+            <a:r>
+              <a:rPr lang="en-PH" baseline="-25000" dirty="0">
+                <a:solidFill>
+                  <a:schemeClr val="accent6">
+                    <a:lumMod val="75000"/>
+                  </a:schemeClr>
+                </a:solidFill>
+                <a:latin typeface="Oswald" pitchFamily="2" charset="0"/>
+              </a:rPr>
+              <a:t>0</a:t>
+            </a:r>
+            <a:r>
+              <a:rPr lang="en-PH" dirty="0">
+                <a:solidFill>
+                  <a:schemeClr val="accent6">
+                    <a:lumMod val="75000"/>
+                  </a:schemeClr>
+                </a:solidFill>
+                <a:latin typeface="Oswald" pitchFamily="2" charset="0"/>
+              </a:rPr>
+              <a:t> can start already start</a:t>
+            </a:r>
+          </a:p>
+        </p:txBody>
+      </p:sp>
     </p:spTree>
     <p:extLst>
       <p:ext uri="{BB962C8B-B14F-4D97-AF65-F5344CB8AC3E}">
@@ -4440,7 +4604,7 @@
             <a:pPr lvl="2"/>
             <a:r>
               <a:rPr lang="en-US" altLang="ko-KR" dirty="0"/>
-              <a:t>Current running process</a:t>
+              <a:t>Currently running process</a:t>
             </a:r>
           </a:p>
           <a:p>
@@ -4454,24 +4618,37 @@
             <a:pPr lvl="2"/>
             <a:r>
               <a:rPr lang="en-US" altLang="ko-KR" dirty="0"/>
-              <a:t>Will hold the values of the registers(in memory) when a process is stopped to be able to resume later</a:t>
+              <a:t>Will hold the values of the registers(copied to a data structure in memory) when a process is stopped/paused</a:t>
             </a:r>
           </a:p>
           <a:p>
             <a:pPr lvl="2"/>
             <a:r>
               <a:rPr lang="en-US" altLang="ko-KR" dirty="0"/>
-              <a:t>This is done by copying these values back to the actual registers during a </a:t>
+              <a:t>Will be copied back to the actual registers during a </a:t>
             </a:r>
             <a:r>
               <a:rPr lang="en-US" altLang="ko-KR" b="1" dirty="0"/>
-              <a:t>context-switch</a:t>
-            </a:r>
-          </a:p>
-          <a:p>
-            <a:r>
-              <a:rPr lang="en-US" altLang="ko-KR" dirty="0"/>
-              <a:t>PCB(Process Control Block)</a:t>
+              <a:t>context-switch </a:t>
+            </a:r>
+            <a:r>
+              <a:rPr lang="en-US" altLang="ko-KR" dirty="0"/>
+              <a:t>to resume the stopped/paused process</a:t>
+            </a:r>
+            <a:endParaRPr lang="en-US" altLang="ko-KR" b="1" dirty="0"/>
+          </a:p>
+          <a:p>
+            <a:r>
+              <a:rPr lang="en-US" altLang="ko-KR" dirty="0"/>
+              <a:t>The </a:t>
+            </a:r>
+            <a:r>
+              <a:rPr lang="en-US" altLang="ko-KR" b="1" dirty="0"/>
+              <a:t>Process Control Block</a:t>
+            </a:r>
+            <a:r>
+              <a:rPr lang="en-US" altLang="ko-KR" dirty="0"/>
+              <a:t> (PCB)/ Task Structure(Linux)</a:t>
             </a:r>
           </a:p>
           <a:p>
@@ -7494,14 +7671,35 @@
           <a:p>
             <a:r>
               <a:rPr lang="en-US" altLang="ko-KR" dirty="0"/>
-              <a:t>What comprises a process?</a:t>
-            </a:r>
+              <a:t>What comprises a process? -the </a:t>
+            </a:r>
+            <a:r>
+              <a:rPr lang="en-US" altLang="ko-KR" b="1" dirty="0"/>
+              <a:t>machine state </a:t>
+            </a:r>
+            <a:r>
+              <a:rPr lang="en-US" altLang="ko-KR" dirty="0"/>
+              <a:t>which is composed of</a:t>
+            </a:r>
+            <a:endParaRPr lang="en-US" altLang="ko-KR" b="1" dirty="0"/>
           </a:p>
           <a:p>
             <a:pPr lvl="1"/>
             <a:r>
-              <a:rPr lang="en-US" altLang="ko-KR" dirty="0"/>
-              <a:t>Memory (address space – range of addresses that a process can access)</a:t>
+              <a:rPr lang="en-US" altLang="ko-KR" b="1" dirty="0"/>
+              <a:t>Memory</a:t>
+            </a:r>
+            <a:r>
+              <a:rPr lang="en-US" altLang="ko-KR" dirty="0"/>
+              <a:t> (</a:t>
+            </a:r>
+            <a:r>
+              <a:rPr lang="en-US" altLang="ko-KR" u="sng" dirty="0"/>
+              <a:t>address space</a:t>
+            </a:r>
+            <a:r>
+              <a:rPr lang="en-US" altLang="ko-KR" dirty="0"/>
+              <a:t> – range of addresses that a process can access)</a:t>
             </a:r>
           </a:p>
           <a:p>
@@ -7521,36 +7719,45 @@
           <a:p>
             <a:pPr lvl="1"/>
             <a:r>
-              <a:rPr lang="en-US" altLang="ko-KR" dirty="0"/>
-              <a:t>Machine state (via Registers)</a:t>
-            </a:r>
+              <a:rPr lang="en-US" altLang="ko-KR" b="1" dirty="0"/>
+              <a:t>Registers </a:t>
+            </a:r>
+            <a:r>
+              <a:rPr lang="en-US" altLang="ko-KR" dirty="0"/>
+              <a:t>– high-speed storage for small data items (EAX, EBX, …)</a:t>
+            </a:r>
+            <a:endParaRPr lang="en-US" altLang="ko-KR" b="1" dirty="0"/>
           </a:p>
           <a:p>
             <a:pPr lvl="2"/>
             <a:r>
               <a:rPr lang="en-US" altLang="ko-KR" dirty="0"/>
-              <a:t>Program counter (Instruction pointer)</a:t>
+              <a:t>Program counter (Instruction pointer) (RIP)</a:t>
             </a:r>
           </a:p>
           <a:p>
             <a:pPr lvl="2"/>
             <a:r>
               <a:rPr lang="en-US" altLang="ko-KR" dirty="0"/>
-              <a:t>Stack pointer</a:t>
+              <a:t>Stack pointer (RSP)</a:t>
             </a:r>
           </a:p>
           <a:p>
             <a:pPr lvl="2"/>
             <a:r>
               <a:rPr lang="en-US" altLang="ko-KR" dirty="0"/>
-              <a:t>Frame pointer</a:t>
+              <a:t>Frame/Base pointer (RBP)</a:t>
             </a:r>
           </a:p>
           <a:p>
             <a:pPr lvl="1"/>
             <a:r>
-              <a:rPr lang="en-US" altLang="ko-KR" dirty="0"/>
-              <a:t>I/O information – list of open files</a:t>
+              <a:rPr lang="en-US" altLang="ko-KR" b="1" dirty="0"/>
+              <a:t>I/O information</a:t>
+            </a:r>
+            <a:r>
+              <a:rPr lang="en-US" altLang="ko-KR" dirty="0"/>
+              <a:t> – list of open files</a:t>
             </a:r>
           </a:p>
           <a:p>
@@ -7741,7 +7948,7 @@
                 <a:latin typeface="Courier New" panose="02070309020205020404" pitchFamily="49" charset="0"/>
                 <a:cs typeface="Courier New" panose="02070309020205020404" pitchFamily="49" charset="0"/>
               </a:rPr>
-              <a:t>fork(), exec()</a:t>
+              <a:t>fork(), exec(), clone()</a:t>
             </a:r>
           </a:p>
           <a:p>
@@ -7985,15 +8192,7 @@
             </a:r>
             <a:r>
               <a:rPr lang="en-US" altLang="ko-KR" dirty="0"/>
-              <a:t> a program code(and </a:t>
-            </a:r>
-            <a:r>
-              <a:rPr lang="en-US" altLang="ko-KR" dirty="0" err="1"/>
-              <a:t>statc</a:t>
-            </a:r>
-            <a:r>
-              <a:rPr lang="en-US" altLang="ko-KR" dirty="0"/>
-              <a:t> data) into </a:t>
+              <a:t> a program code(and static data) into </a:t>
             </a:r>
             <a:r>
               <a:rPr lang="en-US" altLang="ko-KR" u="sng" dirty="0"/>
